--- a/Prezentációk/Projekt_English.pptx
+++ b/Prezentációk/Projekt_English.pptx
@@ -5,7 +5,7 @@
     <p:sldMasterId id="2147483648" r:id="rId1"/>
   </p:sldMasterIdLst>
   <p:notesMasterIdLst>
-    <p:notesMasterId r:id="rId34"/>
+    <p:notesMasterId r:id="rId44"/>
   </p:notesMasterIdLst>
   <p:sldIdLst>
     <p:sldId id="256" r:id="rId2"/>
@@ -17,29 +17,39 @@
     <p:sldId id="276" r:id="rId8"/>
     <p:sldId id="277" r:id="rId9"/>
     <p:sldId id="278" r:id="rId10"/>
-    <p:sldId id="261" r:id="rId11"/>
-    <p:sldId id="262" r:id="rId12"/>
-    <p:sldId id="263" r:id="rId13"/>
-    <p:sldId id="264" r:id="rId14"/>
-    <p:sldId id="279" r:id="rId15"/>
-    <p:sldId id="280" r:id="rId16"/>
-    <p:sldId id="281" r:id="rId17"/>
-    <p:sldId id="282" r:id="rId18"/>
-    <p:sldId id="283" r:id="rId19"/>
-    <p:sldId id="284" r:id="rId20"/>
-    <p:sldId id="285" r:id="rId21"/>
-    <p:sldId id="286" r:id="rId22"/>
-    <p:sldId id="287" r:id="rId23"/>
-    <p:sldId id="265" r:id="rId24"/>
-    <p:sldId id="266" r:id="rId25"/>
-    <p:sldId id="267" r:id="rId26"/>
-    <p:sldId id="268" r:id="rId27"/>
-    <p:sldId id="269" r:id="rId28"/>
-    <p:sldId id="270" r:id="rId29"/>
-    <p:sldId id="271" r:id="rId30"/>
-    <p:sldId id="272" r:id="rId31"/>
-    <p:sldId id="273" r:id="rId32"/>
-    <p:sldId id="274" r:id="rId33"/>
+    <p:sldId id="288" r:id="rId11"/>
+    <p:sldId id="289" r:id="rId12"/>
+    <p:sldId id="290" r:id="rId13"/>
+    <p:sldId id="291" r:id="rId14"/>
+    <p:sldId id="261" r:id="rId15"/>
+    <p:sldId id="262" r:id="rId16"/>
+    <p:sldId id="263" r:id="rId17"/>
+    <p:sldId id="264" r:id="rId18"/>
+    <p:sldId id="279" r:id="rId19"/>
+    <p:sldId id="280" r:id="rId20"/>
+    <p:sldId id="281" r:id="rId21"/>
+    <p:sldId id="282" r:id="rId22"/>
+    <p:sldId id="283" r:id="rId23"/>
+    <p:sldId id="284" r:id="rId24"/>
+    <p:sldId id="285" r:id="rId25"/>
+    <p:sldId id="286" r:id="rId26"/>
+    <p:sldId id="287" r:id="rId27"/>
+    <p:sldId id="292" r:id="rId28"/>
+    <p:sldId id="293" r:id="rId29"/>
+    <p:sldId id="294" r:id="rId30"/>
+    <p:sldId id="295" r:id="rId31"/>
+    <p:sldId id="296" r:id="rId32"/>
+    <p:sldId id="297" r:id="rId33"/>
+    <p:sldId id="265" r:id="rId34"/>
+    <p:sldId id="266" r:id="rId35"/>
+    <p:sldId id="267" r:id="rId36"/>
+    <p:sldId id="268" r:id="rId37"/>
+    <p:sldId id="269" r:id="rId38"/>
+    <p:sldId id="270" r:id="rId39"/>
+    <p:sldId id="271" r:id="rId40"/>
+    <p:sldId id="272" r:id="rId41"/>
+    <p:sldId id="273" r:id="rId42"/>
+    <p:sldId id="274" r:id="rId43"/>
   </p:sldIdLst>
   <p:sldSz cx="12192000" cy="6858000"/>
   <p:notesSz cx="6858000" cy="9144000"/>
@@ -273,8 +283,11 @@
     </a:lvl9pPr>
   </p:defaultTextStyle>
   <p:extLst>
+    <p:ext uri="{EFAFB233-063F-42B5-8137-9DF3F51BA10A}">
+      <p15:sldGuideLst xmlns:p15="http://schemas.microsoft.com/office/powerpoint/2012/main"/>
+    </p:ext>
     <p:ext uri="http://customooxmlschemas.google.com/">
-      <go:slidesCustomData xmlns:go="http://customooxmlschemas.google.com/" xmlns:ahyp="http://schemas.microsoft.com/office/drawing/2018/hyperlinkcolor" xmlns:p15="http://schemas.microsoft.com/office/powerpoint/2012/main" xmlns:p14="http://schemas.microsoft.com/office/powerpoint/2010/main" xmlns:com="http://schemas.openxmlformats.org/drawingml/2006/compatibility" xmlns:pvml="urn:schemas-microsoft-com:office:powerpoint" xmlns:v="urn:schemas-microsoft-com:vml" xmlns:o="urn:schemas-microsoft-com:office:office" xmlns:dgm="http://schemas.openxmlformats.org/drawingml/2006/diagram" xmlns:c="http://schemas.openxmlformats.org/drawingml/2006/chart" xmlns:mv="urn:schemas-microsoft-com:mac:vml" xmlns:mc="http://schemas.openxmlformats.org/markup-compatibility/2006" xmlns="" r:id="rId35" roundtripDataSignature="AMtx7mhc5oIVybdUqGHTia28sBjjzI29cQ=="/>
+      <go:slidesCustomData xmlns="" xmlns:mc="http://schemas.openxmlformats.org/markup-compatibility/2006" xmlns:mv="urn:schemas-microsoft-com:mac:vml" xmlns:c="http://schemas.openxmlformats.org/drawingml/2006/chart" xmlns:dgm="http://schemas.openxmlformats.org/drawingml/2006/diagram" xmlns:o="urn:schemas-microsoft-com:office:office" xmlns:v="urn:schemas-microsoft-com:vml" xmlns:pvml="urn:schemas-microsoft-com:office:powerpoint" xmlns:com="http://schemas.openxmlformats.org/drawingml/2006/compatibility" xmlns:p14="http://schemas.microsoft.com/office/powerpoint/2010/main" xmlns:p15="http://schemas.microsoft.com/office/powerpoint/2012/main" xmlns:ahyp="http://schemas.microsoft.com/office/drawing/2018/hyperlinkcolor" xmlns:go="http://customooxmlschemas.google.com/" r:id="rId45" roundtripDataSignature="AMtx7mhc5oIVybdUqGHTia28sBjjzI29cQ=="/>
     </p:ext>
   </p:extLst>
 </p:presentation>
@@ -854,8 +867,8 @@
         </p:nvSpPr>
         <p:spPr>
           <a:xfrm>
-            <a:off x="1143225" y="685800"/>
-            <a:ext cx="4572300" cy="3429000"/>
+            <a:off x="381000" y="685800"/>
+            <a:ext cx="6096000" cy="3429000"/>
           </a:xfrm>
           <a:custGeom>
             <a:avLst/>
@@ -958,8 +971,8 @@
         </p:nvSpPr>
         <p:spPr>
           <a:xfrm>
-            <a:off x="1143225" y="685800"/>
-            <a:ext cx="4572300" cy="3429000"/>
+            <a:off x="381000" y="685800"/>
+            <a:ext cx="6096000" cy="3429000"/>
           </a:xfrm>
           <a:custGeom>
             <a:avLst/>
@@ -1062,8 +1075,8 @@
         </p:nvSpPr>
         <p:spPr>
           <a:xfrm>
-            <a:off x="1143225" y="685800"/>
-            <a:ext cx="4572300" cy="3429000"/>
+            <a:off x="381000" y="685800"/>
+            <a:ext cx="6096000" cy="3429000"/>
           </a:xfrm>
           <a:custGeom>
             <a:avLst/>
@@ -1166,8 +1179,8 @@
         </p:nvSpPr>
         <p:spPr>
           <a:xfrm>
-            <a:off x="1143225" y="685800"/>
-            <a:ext cx="4572300" cy="3429000"/>
+            <a:off x="381000" y="685800"/>
+            <a:ext cx="6096000" cy="3429000"/>
           </a:xfrm>
           <a:custGeom>
             <a:avLst/>
@@ -1599,7 +1612,7 @@
             </a:pPr>
             <a:fld id="{00000000-1234-1234-1234-123412341234}" type="slidenum">
               <a:rPr lang="hu-HU"/>
-              <a:t>16</a:t>
+              <a:t>20</a:t>
             </a:fld>
             <a:endParaRPr/>
           </a:p>
@@ -1746,8 +1759,8 @@
         </p:nvSpPr>
         <p:spPr>
           <a:xfrm>
-            <a:off x="1143225" y="685800"/>
-            <a:ext cx="4572300" cy="3429000"/>
+            <a:off x="381000" y="685800"/>
+            <a:ext cx="6096000" cy="3429000"/>
           </a:xfrm>
           <a:custGeom>
             <a:avLst/>
@@ -1850,8 +1863,8 @@
         </p:nvSpPr>
         <p:spPr>
           <a:xfrm>
-            <a:off x="1143225" y="685800"/>
-            <a:ext cx="4572300" cy="3429000"/>
+            <a:off x="381000" y="685800"/>
+            <a:ext cx="6096000" cy="3429000"/>
           </a:xfrm>
           <a:custGeom>
             <a:avLst/>
@@ -1954,8 +1967,8 @@
         </p:nvSpPr>
         <p:spPr>
           <a:xfrm>
-            <a:off x="1143225" y="685800"/>
-            <a:ext cx="4572300" cy="3429000"/>
+            <a:off x="381000" y="685800"/>
+            <a:ext cx="6096000" cy="3429000"/>
           </a:xfrm>
           <a:custGeom>
             <a:avLst/>
@@ -2058,8 +2071,8 @@
         </p:nvSpPr>
         <p:spPr>
           <a:xfrm>
-            <a:off x="1143225" y="685800"/>
-            <a:ext cx="4572300" cy="3429000"/>
+            <a:off x="381000" y="685800"/>
+            <a:ext cx="6096000" cy="3429000"/>
           </a:xfrm>
           <a:custGeom>
             <a:avLst/>
@@ -2162,8 +2175,8 @@
         </p:nvSpPr>
         <p:spPr>
           <a:xfrm>
-            <a:off x="1143225" y="685800"/>
-            <a:ext cx="4572300" cy="3429000"/>
+            <a:off x="381000" y="685800"/>
+            <a:ext cx="6096000" cy="3429000"/>
           </a:xfrm>
           <a:custGeom>
             <a:avLst/>
@@ -2266,8 +2279,8 @@
         </p:nvSpPr>
         <p:spPr>
           <a:xfrm>
-            <a:off x="1143225" y="685800"/>
-            <a:ext cx="4572300" cy="3429000"/>
+            <a:off x="381000" y="685800"/>
+            <a:ext cx="6096000" cy="3429000"/>
           </a:xfrm>
           <a:custGeom>
             <a:avLst/>
@@ -2370,8 +2383,8 @@
         </p:nvSpPr>
         <p:spPr>
           <a:xfrm>
-            <a:off x="1143225" y="685800"/>
-            <a:ext cx="4572300" cy="3429000"/>
+            <a:off x="381000" y="685800"/>
+            <a:ext cx="6096000" cy="3429000"/>
           </a:xfrm>
           <a:custGeom>
             <a:avLst/>
@@ -2474,8 +2487,8 @@
         </p:nvSpPr>
         <p:spPr>
           <a:xfrm>
-            <a:off x="1143225" y="685800"/>
-            <a:ext cx="4572300" cy="3429000"/>
+            <a:off x="381000" y="685800"/>
+            <a:ext cx="6096000" cy="3429000"/>
           </a:xfrm>
           <a:custGeom>
             <a:avLst/>
@@ -2578,8 +2591,8 @@
         </p:nvSpPr>
         <p:spPr>
           <a:xfrm>
-            <a:off x="1143225" y="685800"/>
-            <a:ext cx="4572300" cy="3429000"/>
+            <a:off x="381000" y="685800"/>
+            <a:ext cx="6096000" cy="3429000"/>
           </a:xfrm>
           <a:custGeom>
             <a:avLst/>
@@ -2682,8 +2695,8 @@
         </p:nvSpPr>
         <p:spPr>
           <a:xfrm>
-            <a:off x="1143225" y="685800"/>
-            <a:ext cx="4572300" cy="3429000"/>
+            <a:off x="381000" y="685800"/>
+            <a:ext cx="6096000" cy="3429000"/>
           </a:xfrm>
           <a:custGeom>
             <a:avLst/>
@@ -2890,8 +2903,8 @@
         </p:nvSpPr>
         <p:spPr>
           <a:xfrm>
-            <a:off x="1143225" y="685800"/>
-            <a:ext cx="4572300" cy="3429000"/>
+            <a:off x="381000" y="685800"/>
+            <a:ext cx="6096000" cy="3429000"/>
           </a:xfrm>
           <a:custGeom>
             <a:avLst/>
@@ -2994,8 +3007,8 @@
         </p:nvSpPr>
         <p:spPr>
           <a:xfrm>
-            <a:off x="1143225" y="685800"/>
-            <a:ext cx="4572300" cy="3429000"/>
+            <a:off x="381000" y="685800"/>
+            <a:ext cx="6096000" cy="3429000"/>
           </a:xfrm>
           <a:custGeom>
             <a:avLst/>
@@ -3098,8 +3111,8 @@
         </p:nvSpPr>
         <p:spPr>
           <a:xfrm>
-            <a:off x="1143225" y="685800"/>
-            <a:ext cx="4572300" cy="3429000"/>
+            <a:off x="381000" y="685800"/>
+            <a:ext cx="6096000" cy="3429000"/>
           </a:xfrm>
           <a:custGeom>
             <a:avLst/>
@@ -13936,6 +13949,719 @@
   <p:cSld>
     <p:spTree>
       <p:nvGrpSpPr>
+        <p:cNvPr id="1" name=""/>
+        <p:cNvGrpSpPr/>
+        <p:nvPr/>
+      </p:nvGrpSpPr>
+      <p:grpSpPr>
+        <a:xfrm>
+          <a:off x="0" y="0"/>
+          <a:ext cx="0" cy="0"/>
+          <a:chOff x="0" y="0"/>
+          <a:chExt cx="0" cy="0"/>
+        </a:xfrm>
+      </p:grpSpPr>
+      <p:sp>
+        <p:nvSpPr>
+          <p:cNvPr id="2" name="Cím 1">
+            <a:extLst>
+              <a:ext uri="{FF2B5EF4-FFF2-40B4-BE49-F238E27FC236}">
+                <a16:creationId xmlns:a16="http://schemas.microsoft.com/office/drawing/2014/main" id="{3DC56ABB-B872-41CC-BE83-D0D69D82A17B}"/>
+              </a:ext>
+            </a:extLst>
+          </p:cNvPr>
+          <p:cNvSpPr>
+            <a:spLocks noGrp="1"/>
+          </p:cNvSpPr>
+          <p:nvPr>
+            <p:ph type="ctrTitle"/>
+          </p:nvPr>
+        </p:nvSpPr>
+        <p:spPr/>
+        <p:txBody>
+          <a:bodyPr/>
+          <a:lstStyle/>
+          <a:p>
+            <a:r>
+              <a:rPr lang="en-US" dirty="0"/>
+              <a:t>Google network and DNS configuration</a:t>
+            </a:r>
+            <a:endParaRPr lang="hu-HU" dirty="0"/>
+          </a:p>
+        </p:txBody>
+      </p:sp>
+      <p:sp>
+        <p:nvSpPr>
+          <p:cNvPr id="3" name="Alcím 2">
+            <a:extLst>
+              <a:ext uri="{FF2B5EF4-FFF2-40B4-BE49-F238E27FC236}">
+                <a16:creationId xmlns:a16="http://schemas.microsoft.com/office/drawing/2014/main" id="{A2EFDC4F-51DC-4E3E-81E0-DE7BB253FD99}"/>
+              </a:ext>
+            </a:extLst>
+          </p:cNvPr>
+          <p:cNvSpPr>
+            <a:spLocks noGrp="1"/>
+          </p:cNvSpPr>
+          <p:nvPr>
+            <p:ph type="subTitle" idx="1"/>
+          </p:nvPr>
+        </p:nvSpPr>
+        <p:spPr/>
+        <p:txBody>
+          <a:bodyPr/>
+          <a:lstStyle/>
+          <a:p>
+            <a:r>
+              <a:rPr lang="hu-HU" dirty="0"/>
+              <a:t>Kómár Attila</a:t>
+            </a:r>
+          </a:p>
+        </p:txBody>
+      </p:sp>
+    </p:spTree>
+    <p:extLst>
+      <p:ext uri="{BB962C8B-B14F-4D97-AF65-F5344CB8AC3E}">
+        <p14:creationId xmlns:p14="http://schemas.microsoft.com/office/powerpoint/2010/main" val="3781038332"/>
+      </p:ext>
+    </p:extLst>
+  </p:cSld>
+  <p:clrMapOvr>
+    <a:masterClrMapping/>
+  </p:clrMapOvr>
+</p:sld>
+</file>
+
+<file path=ppt/slides/slide11.xml><?xml version="1.0" encoding="utf-8"?>
+<p:sld xmlns:a="http://schemas.openxmlformats.org/drawingml/2006/main" xmlns:r="http://schemas.openxmlformats.org/officeDocument/2006/relationships" xmlns:p="http://schemas.openxmlformats.org/presentationml/2006/main">
+  <p:cSld>
+    <p:spTree>
+      <p:nvGrpSpPr>
+        <p:cNvPr id="1" name=""/>
+        <p:cNvGrpSpPr/>
+        <p:nvPr/>
+      </p:nvGrpSpPr>
+      <p:grpSpPr>
+        <a:xfrm>
+          <a:off x="0" y="0"/>
+          <a:ext cx="0" cy="0"/>
+          <a:chOff x="0" y="0"/>
+          <a:chExt cx="0" cy="0"/>
+        </a:xfrm>
+      </p:grpSpPr>
+      <p:sp>
+        <p:nvSpPr>
+          <p:cNvPr id="2" name="Cím 1">
+            <a:extLst>
+              <a:ext uri="{FF2B5EF4-FFF2-40B4-BE49-F238E27FC236}">
+                <a16:creationId xmlns:a16="http://schemas.microsoft.com/office/drawing/2014/main" id="{D60F028B-843D-41B0-8661-DAA74ECBFD96}"/>
+              </a:ext>
+            </a:extLst>
+          </p:cNvPr>
+          <p:cNvSpPr>
+            <a:spLocks noGrp="1"/>
+          </p:cNvSpPr>
+          <p:nvPr>
+            <p:ph type="title"/>
+          </p:nvPr>
+        </p:nvSpPr>
+        <p:spPr/>
+        <p:txBody>
+          <a:bodyPr/>
+          <a:lstStyle/>
+          <a:p>
+            <a:r>
+              <a:rPr lang="hu-HU" dirty="0"/>
+              <a:t>Server IP </a:t>
+            </a:r>
+            <a:r>
+              <a:rPr lang="hu-HU" dirty="0" err="1"/>
+              <a:t>configuration</a:t>
+            </a:r>
+            <a:endParaRPr lang="hu-HU" dirty="0"/>
+          </a:p>
+        </p:txBody>
+      </p:sp>
+      <p:sp>
+        <p:nvSpPr>
+          <p:cNvPr id="3" name="Szöveg helye 2">
+            <a:extLst>
+              <a:ext uri="{FF2B5EF4-FFF2-40B4-BE49-F238E27FC236}">
+                <a16:creationId xmlns:a16="http://schemas.microsoft.com/office/drawing/2014/main" id="{D8ACFF10-84E1-479F-BA2F-20C70CA23246}"/>
+              </a:ext>
+            </a:extLst>
+          </p:cNvPr>
+          <p:cNvSpPr>
+            <a:spLocks noGrp="1"/>
+          </p:cNvSpPr>
+          <p:nvPr>
+            <p:ph type="body" idx="1"/>
+          </p:nvPr>
+        </p:nvSpPr>
+        <p:spPr>
+          <a:xfrm>
+            <a:off x="838200" y="2529443"/>
+            <a:ext cx="10515600" cy="3647519"/>
+          </a:xfrm>
+        </p:spPr>
+        <p:txBody>
+          <a:bodyPr/>
+          <a:lstStyle/>
+          <a:p>
+            <a:pPr marL="342900" lvl="0">
+              <a:spcBef>
+                <a:spcPts val="0"/>
+              </a:spcBef>
+              <a:buFont typeface="Arial" panose="020B0604020202020204" pitchFamily="34" charset="0"/>
+              <a:buChar char="•"/>
+            </a:pPr>
+            <a:r>
+              <a:rPr lang="en-US" dirty="0"/>
+              <a:t>IP address: 8.8.8.8</a:t>
+            </a:r>
+          </a:p>
+          <a:p>
+            <a:pPr marL="342900" lvl="0">
+              <a:spcBef>
+                <a:spcPts val="0"/>
+              </a:spcBef>
+              <a:buFont typeface="Arial" panose="020B0604020202020204" pitchFamily="34" charset="0"/>
+              <a:buChar char="•"/>
+            </a:pPr>
+            <a:r>
+              <a:rPr lang="en-US" dirty="0"/>
+              <a:t>Mask: /16 </a:t>
+            </a:r>
+            <a:r>
+              <a:rPr lang="en-US" sz="2400" dirty="0"/>
+              <a:t>(255.255.0.0)</a:t>
+            </a:r>
+          </a:p>
+          <a:p>
+            <a:pPr marL="342900" lvl="0">
+              <a:spcBef>
+                <a:spcPts val="0"/>
+              </a:spcBef>
+              <a:buFont typeface="Arial" panose="020B0604020202020204" pitchFamily="34" charset="0"/>
+              <a:buChar char="•"/>
+            </a:pPr>
+            <a:r>
+              <a:rPr lang="en-US" dirty="0"/>
+              <a:t>Default gateway: 8.8.0.1</a:t>
+            </a:r>
+          </a:p>
+          <a:p>
+            <a:pPr marL="342900" lvl="0">
+              <a:spcBef>
+                <a:spcPts val="0"/>
+              </a:spcBef>
+              <a:buFont typeface="Arial" panose="020B0604020202020204" pitchFamily="34" charset="0"/>
+              <a:buChar char="•"/>
+            </a:pPr>
+            <a:r>
+              <a:rPr lang="en-US" dirty="0"/>
+              <a:t>DNS Server’s IP is itself</a:t>
+            </a:r>
+          </a:p>
+        </p:txBody>
+      </p:sp>
+      <p:pic>
+        <p:nvPicPr>
+          <p:cNvPr id="6" name="Google Shape;183;g18fd315c07e_0_277">
+            <a:extLst>
+              <a:ext uri="{FF2B5EF4-FFF2-40B4-BE49-F238E27FC236}">
+                <a16:creationId xmlns:a16="http://schemas.microsoft.com/office/drawing/2014/main" id="{1C1B1C0B-6DBF-4222-B514-0BE86A7D26AA}"/>
+              </a:ext>
+            </a:extLst>
+          </p:cNvPr>
+          <p:cNvPicPr preferRelativeResize="0"/>
+          <p:nvPr/>
+        </p:nvPicPr>
+        <p:blipFill rotWithShape="1">
+          <a:blip r:embed="rId2">
+            <a:alphaModFix/>
+          </a:blip>
+          <a:srcRect/>
+          <a:stretch/>
+        </p:blipFill>
+        <p:spPr>
+          <a:xfrm>
+            <a:off x="5196915" y="2003795"/>
+            <a:ext cx="6156885" cy="2850410"/>
+          </a:xfrm>
+          <a:prstGeom prst="rect">
+            <a:avLst/>
+          </a:prstGeom>
+          <a:noFill/>
+          <a:ln>
+            <a:noFill/>
+          </a:ln>
+        </p:spPr>
+      </p:pic>
+    </p:spTree>
+    <p:extLst>
+      <p:ext uri="{BB962C8B-B14F-4D97-AF65-F5344CB8AC3E}">
+        <p14:creationId xmlns:p14="http://schemas.microsoft.com/office/powerpoint/2010/main" val="2515641116"/>
+      </p:ext>
+    </p:extLst>
+  </p:cSld>
+  <p:clrMapOvr>
+    <a:masterClrMapping/>
+  </p:clrMapOvr>
+</p:sld>
+</file>
+
+<file path=ppt/slides/slide12.xml><?xml version="1.0" encoding="utf-8"?>
+<p:sld xmlns:a="http://schemas.openxmlformats.org/drawingml/2006/main" xmlns:r="http://schemas.openxmlformats.org/officeDocument/2006/relationships" xmlns:p="http://schemas.openxmlformats.org/presentationml/2006/main">
+  <p:cSld>
+    <p:spTree>
+      <p:nvGrpSpPr>
+        <p:cNvPr id="1" name=""/>
+        <p:cNvGrpSpPr/>
+        <p:nvPr/>
+      </p:nvGrpSpPr>
+      <p:grpSpPr>
+        <a:xfrm>
+          <a:off x="0" y="0"/>
+          <a:ext cx="0" cy="0"/>
+          <a:chOff x="0" y="0"/>
+          <a:chExt cx="0" cy="0"/>
+        </a:xfrm>
+      </p:grpSpPr>
+      <p:sp>
+        <p:nvSpPr>
+          <p:cNvPr id="2" name="Cím 1">
+            <a:extLst>
+              <a:ext uri="{FF2B5EF4-FFF2-40B4-BE49-F238E27FC236}">
+                <a16:creationId xmlns:a16="http://schemas.microsoft.com/office/drawing/2014/main" id="{374EE481-6CE2-4278-835A-EEBB96CEEB18}"/>
+              </a:ext>
+            </a:extLst>
+          </p:cNvPr>
+          <p:cNvSpPr>
+            <a:spLocks noGrp="1"/>
+          </p:cNvSpPr>
+          <p:nvPr>
+            <p:ph type="title"/>
+          </p:nvPr>
+        </p:nvSpPr>
+        <p:spPr/>
+        <p:txBody>
+          <a:bodyPr/>
+          <a:lstStyle/>
+          <a:p>
+            <a:r>
+              <a:rPr lang="hu-HU" dirty="0"/>
+              <a:t>DNS</a:t>
+            </a:r>
+            <a:r>
+              <a:rPr lang="en-US" dirty="0"/>
+              <a:t> </a:t>
+            </a:r>
+            <a:r>
+              <a:rPr lang="en-US" dirty="0">
+                <a:solidFill>
+                  <a:schemeClr val="tx1">
+                    <a:lumMod val="85000"/>
+                    <a:lumOff val="15000"/>
+                  </a:schemeClr>
+                </a:solidFill>
+              </a:rPr>
+              <a:t>(Domain Name System)</a:t>
+            </a:r>
+            <a:endParaRPr lang="hu-HU" dirty="0">
+              <a:solidFill>
+                <a:schemeClr val="tx1">
+                  <a:lumMod val="85000"/>
+                  <a:lumOff val="15000"/>
+                </a:schemeClr>
+              </a:solidFill>
+            </a:endParaRPr>
+          </a:p>
+        </p:txBody>
+      </p:sp>
+      <p:sp>
+        <p:nvSpPr>
+          <p:cNvPr id="3" name="Szöveg helye 2">
+            <a:extLst>
+              <a:ext uri="{FF2B5EF4-FFF2-40B4-BE49-F238E27FC236}">
+                <a16:creationId xmlns:a16="http://schemas.microsoft.com/office/drawing/2014/main" id="{77878A82-6D93-45CB-AE68-27EEEEC768A7}"/>
+              </a:ext>
+            </a:extLst>
+          </p:cNvPr>
+          <p:cNvSpPr>
+            <a:spLocks noGrp="1"/>
+          </p:cNvSpPr>
+          <p:nvPr>
+            <p:ph type="body" idx="1"/>
+          </p:nvPr>
+        </p:nvSpPr>
+        <p:spPr/>
+        <p:txBody>
+          <a:bodyPr/>
+          <a:lstStyle/>
+          <a:p>
+            <a:r>
+              <a:rPr lang="en-US" dirty="0"/>
+              <a:t>Turn the DNS Service on</a:t>
+            </a:r>
+          </a:p>
+          <a:p>
+            <a:r>
+              <a:rPr lang="en-US" dirty="0"/>
+              <a:t>Website’s name: gdprojekt.net</a:t>
+            </a:r>
+          </a:p>
+          <a:p>
+            <a:r>
+              <a:rPr lang="en-US" dirty="0" err="1"/>
+              <a:t>Adress</a:t>
+            </a:r>
+            <a:r>
+              <a:rPr lang="en-US" dirty="0"/>
+              <a:t>: 185.62.128.1</a:t>
+            </a:r>
+            <a:endParaRPr lang="hu-HU" dirty="0"/>
+          </a:p>
+        </p:txBody>
+      </p:sp>
+      <p:pic>
+        <p:nvPicPr>
+          <p:cNvPr id="4" name="Google Shape;184;g18fd315c07e_0_277">
+            <a:extLst>
+              <a:ext uri="{FF2B5EF4-FFF2-40B4-BE49-F238E27FC236}">
+                <a16:creationId xmlns:a16="http://schemas.microsoft.com/office/drawing/2014/main" id="{1BAADD70-B844-484A-B055-DFB96A305133}"/>
+              </a:ext>
+            </a:extLst>
+          </p:cNvPr>
+          <p:cNvPicPr preferRelativeResize="0"/>
+          <p:nvPr/>
+        </p:nvPicPr>
+        <p:blipFill>
+          <a:blip r:embed="rId2"/>
+          <a:stretch>
+            <a:fillRect/>
+          </a:stretch>
+        </p:blipFill>
+        <p:spPr>
+          <a:xfrm>
+            <a:off x="5913911" y="1971537"/>
+            <a:ext cx="6152408" cy="2914926"/>
+          </a:xfrm>
+          <a:prstGeom prst="rect">
+            <a:avLst/>
+          </a:prstGeom>
+          <a:noFill/>
+          <a:ln>
+            <a:noFill/>
+          </a:ln>
+        </p:spPr>
+      </p:pic>
+    </p:spTree>
+    <p:extLst>
+      <p:ext uri="{BB962C8B-B14F-4D97-AF65-F5344CB8AC3E}">
+        <p14:creationId xmlns:p14="http://schemas.microsoft.com/office/powerpoint/2010/main" val="2477604559"/>
+      </p:ext>
+    </p:extLst>
+  </p:cSld>
+  <p:clrMapOvr>
+    <a:masterClrMapping/>
+  </p:clrMapOvr>
+</p:sld>
+</file>
+
+<file path=ppt/slides/slide13.xml><?xml version="1.0" encoding="utf-8"?>
+<p:sld xmlns:a="http://schemas.openxmlformats.org/drawingml/2006/main" xmlns:r="http://schemas.openxmlformats.org/officeDocument/2006/relationships" xmlns:p="http://schemas.openxmlformats.org/presentationml/2006/main">
+  <p:cSld>
+    <p:spTree>
+      <p:nvGrpSpPr>
+        <p:cNvPr id="1" name=""/>
+        <p:cNvGrpSpPr/>
+        <p:nvPr/>
+      </p:nvGrpSpPr>
+      <p:grpSpPr>
+        <a:xfrm>
+          <a:off x="0" y="0"/>
+          <a:ext cx="0" cy="0"/>
+          <a:chOff x="0" y="0"/>
+          <a:chExt cx="0" cy="0"/>
+        </a:xfrm>
+      </p:grpSpPr>
+      <p:sp>
+        <p:nvSpPr>
+          <p:cNvPr id="2" name="Cím 1">
+            <a:extLst>
+              <a:ext uri="{FF2B5EF4-FFF2-40B4-BE49-F238E27FC236}">
+                <a16:creationId xmlns:a16="http://schemas.microsoft.com/office/drawing/2014/main" id="{B74214B1-57CA-4687-9DE8-19BB45F2E294}"/>
+              </a:ext>
+            </a:extLst>
+          </p:cNvPr>
+          <p:cNvSpPr>
+            <a:spLocks noGrp="1"/>
+          </p:cNvSpPr>
+          <p:nvPr>
+            <p:ph type="title"/>
+          </p:nvPr>
+        </p:nvSpPr>
+        <p:spPr/>
+        <p:txBody>
+          <a:bodyPr/>
+          <a:lstStyle/>
+          <a:p>
+            <a:r>
+              <a:rPr lang="en-US" dirty="0"/>
+              <a:t>R_BP Router configuration</a:t>
+            </a:r>
+            <a:endParaRPr lang="hu-HU" dirty="0"/>
+          </a:p>
+        </p:txBody>
+      </p:sp>
+      <p:sp>
+        <p:nvSpPr>
+          <p:cNvPr id="3" name="Szöveg helye 2">
+            <a:extLst>
+              <a:ext uri="{FF2B5EF4-FFF2-40B4-BE49-F238E27FC236}">
+                <a16:creationId xmlns:a16="http://schemas.microsoft.com/office/drawing/2014/main" id="{D67CAF2B-5699-4E1A-B0B7-289DF3046EE1}"/>
+              </a:ext>
+            </a:extLst>
+          </p:cNvPr>
+          <p:cNvSpPr>
+            <a:spLocks noGrp="1"/>
+          </p:cNvSpPr>
+          <p:nvPr>
+            <p:ph type="body" idx="1"/>
+          </p:nvPr>
+        </p:nvSpPr>
+        <p:spPr/>
+        <p:txBody>
+          <a:bodyPr/>
+          <a:lstStyle/>
+          <a:p>
+            <a:pPr marL="0" lvl="0" indent="0">
+              <a:spcBef>
+                <a:spcPts val="0"/>
+              </a:spcBef>
+              <a:buNone/>
+            </a:pPr>
+            <a:r>
+              <a:rPr lang="hu-HU" dirty="0" err="1">
+                <a:latin typeface="Courier New" panose="02070309020205020404" pitchFamily="49" charset="0"/>
+                <a:cs typeface="Courier New" panose="02070309020205020404" pitchFamily="49" charset="0"/>
+              </a:rPr>
+              <a:t>enable</a:t>
+            </a:r>
+            <a:endParaRPr lang="hu-HU" dirty="0">
+              <a:latin typeface="Courier New" panose="02070309020205020404" pitchFamily="49" charset="0"/>
+              <a:cs typeface="Courier New" panose="02070309020205020404" pitchFamily="49" charset="0"/>
+            </a:endParaRPr>
+          </a:p>
+          <a:p>
+            <a:pPr marL="0" lvl="0" indent="0">
+              <a:spcBef>
+                <a:spcPts val="0"/>
+              </a:spcBef>
+              <a:buNone/>
+            </a:pPr>
+            <a:r>
+              <a:rPr lang="hu-HU" dirty="0" err="1">
+                <a:latin typeface="Courier New" panose="02070309020205020404" pitchFamily="49" charset="0"/>
+                <a:cs typeface="Courier New" panose="02070309020205020404" pitchFamily="49" charset="0"/>
+              </a:rPr>
+              <a:t>configure</a:t>
+            </a:r>
+            <a:r>
+              <a:rPr lang="hu-HU" dirty="0">
+                <a:latin typeface="Courier New" panose="02070309020205020404" pitchFamily="49" charset="0"/>
+                <a:cs typeface="Courier New" panose="02070309020205020404" pitchFamily="49" charset="0"/>
+              </a:rPr>
+              <a:t> </a:t>
+            </a:r>
+            <a:r>
+              <a:rPr lang="hu-HU" dirty="0" err="1">
+                <a:latin typeface="Courier New" panose="02070309020205020404" pitchFamily="49" charset="0"/>
+                <a:cs typeface="Courier New" panose="02070309020205020404" pitchFamily="49" charset="0"/>
+              </a:rPr>
+              <a:t>terminal</a:t>
+            </a:r>
+            <a:endParaRPr lang="hu-HU" dirty="0">
+              <a:latin typeface="Courier New" panose="02070309020205020404" pitchFamily="49" charset="0"/>
+              <a:cs typeface="Courier New" panose="02070309020205020404" pitchFamily="49" charset="0"/>
+            </a:endParaRPr>
+          </a:p>
+          <a:p>
+            <a:pPr marL="114300" indent="0">
+              <a:buNone/>
+            </a:pPr>
+            <a:r>
+              <a:rPr lang="hu-HU" dirty="0" err="1">
+                <a:latin typeface="Courier New" panose="02070309020205020404" pitchFamily="49" charset="0"/>
+                <a:cs typeface="Courier New" panose="02070309020205020404" pitchFamily="49" charset="0"/>
+              </a:rPr>
+              <a:t>ip</a:t>
+            </a:r>
+            <a:r>
+              <a:rPr lang="hu-HU" dirty="0">
+                <a:latin typeface="Courier New" panose="02070309020205020404" pitchFamily="49" charset="0"/>
+                <a:cs typeface="Courier New" panose="02070309020205020404" pitchFamily="49" charset="0"/>
+              </a:rPr>
+              <a:t> </a:t>
+            </a:r>
+            <a:r>
+              <a:rPr lang="hu-HU" dirty="0" err="1">
+                <a:latin typeface="Courier New" panose="02070309020205020404" pitchFamily="49" charset="0"/>
+                <a:cs typeface="Courier New" panose="02070309020205020404" pitchFamily="49" charset="0"/>
+              </a:rPr>
+              <a:t>route</a:t>
+            </a:r>
+            <a:r>
+              <a:rPr lang="hu-HU" dirty="0">
+                <a:latin typeface="Courier New" panose="02070309020205020404" pitchFamily="49" charset="0"/>
+                <a:cs typeface="Courier New" panose="02070309020205020404" pitchFamily="49" charset="0"/>
+              </a:rPr>
+              <a:t> 0.0.0.0 0.0.0.0 GigabitEthernet0/0</a:t>
+            </a:r>
+            <a:endParaRPr lang="en-US" dirty="0">
+              <a:latin typeface="Courier New" panose="02070309020205020404" pitchFamily="49" charset="0"/>
+              <a:cs typeface="Courier New" panose="02070309020205020404" pitchFamily="49" charset="0"/>
+            </a:endParaRPr>
+          </a:p>
+          <a:p>
+            <a:pPr marL="114300" indent="0">
+              <a:buNone/>
+            </a:pPr>
+            <a:endParaRPr lang="hu-HU" dirty="0">
+              <a:latin typeface="Courier New" panose="02070309020205020404" pitchFamily="49" charset="0"/>
+              <a:cs typeface="Courier New" panose="02070309020205020404" pitchFamily="49" charset="0"/>
+            </a:endParaRPr>
+          </a:p>
+          <a:p>
+            <a:pPr marL="0" lvl="0" indent="0">
+              <a:spcBef>
+                <a:spcPts val="0"/>
+              </a:spcBef>
+              <a:buNone/>
+            </a:pPr>
+            <a:r>
+              <a:rPr lang="hu-HU" dirty="0" err="1">
+                <a:latin typeface="Courier New" panose="02070309020205020404" pitchFamily="49" charset="0"/>
+                <a:cs typeface="Courier New" panose="02070309020205020404" pitchFamily="49" charset="0"/>
+              </a:rPr>
+              <a:t>interface</a:t>
+            </a:r>
+            <a:r>
+              <a:rPr lang="hu-HU" dirty="0">
+                <a:latin typeface="Courier New" panose="02070309020205020404" pitchFamily="49" charset="0"/>
+                <a:cs typeface="Courier New" panose="02070309020205020404" pitchFamily="49" charset="0"/>
+              </a:rPr>
+              <a:t> GigabitEthernet0/0</a:t>
+            </a:r>
+          </a:p>
+          <a:p>
+            <a:pPr marL="0" lvl="0" indent="0">
+              <a:spcBef>
+                <a:spcPts val="0"/>
+              </a:spcBef>
+              <a:buNone/>
+            </a:pPr>
+            <a:r>
+              <a:rPr lang="hu-HU" dirty="0" err="1">
+                <a:latin typeface="Courier New" panose="02070309020205020404" pitchFamily="49" charset="0"/>
+                <a:cs typeface="Courier New" panose="02070309020205020404" pitchFamily="49" charset="0"/>
+              </a:rPr>
+              <a:t>ip</a:t>
+            </a:r>
+            <a:r>
+              <a:rPr lang="hu-HU" dirty="0">
+                <a:latin typeface="Courier New" panose="02070309020205020404" pitchFamily="49" charset="0"/>
+                <a:cs typeface="Courier New" panose="02070309020205020404" pitchFamily="49" charset="0"/>
+              </a:rPr>
+              <a:t> </a:t>
+            </a:r>
+            <a:r>
+              <a:rPr lang="hu-HU" dirty="0" err="1">
+                <a:latin typeface="Courier New" panose="02070309020205020404" pitchFamily="49" charset="0"/>
+                <a:cs typeface="Courier New" panose="02070309020205020404" pitchFamily="49" charset="0"/>
+              </a:rPr>
+              <a:t>address</a:t>
+            </a:r>
+            <a:r>
+              <a:rPr lang="hu-HU" dirty="0">
+                <a:latin typeface="Courier New" panose="02070309020205020404" pitchFamily="49" charset="0"/>
+                <a:cs typeface="Courier New" panose="02070309020205020404" pitchFamily="49" charset="0"/>
+              </a:rPr>
+              <a:t> 8.8.0.1 255.255.0.0	</a:t>
+            </a:r>
+            <a:endParaRPr lang="en-US" dirty="0">
+              <a:latin typeface="Courier New" panose="02070309020205020404" pitchFamily="49" charset="0"/>
+              <a:cs typeface="Courier New" panose="02070309020205020404" pitchFamily="49" charset="0"/>
+            </a:endParaRPr>
+          </a:p>
+          <a:p>
+            <a:pPr marL="0" lvl="0" indent="0">
+              <a:spcBef>
+                <a:spcPts val="0"/>
+              </a:spcBef>
+              <a:buNone/>
+            </a:pPr>
+            <a:r>
+              <a:rPr lang="hu-HU" dirty="0">
+                <a:latin typeface="Courier New" panose="02070309020205020404" pitchFamily="49" charset="0"/>
+                <a:cs typeface="Courier New" panose="02070309020205020404" pitchFamily="49" charset="0"/>
+              </a:rPr>
+              <a:t>no </a:t>
+            </a:r>
+            <a:r>
+              <a:rPr lang="hu-HU" dirty="0" err="1">
+                <a:latin typeface="Courier New" panose="02070309020205020404" pitchFamily="49" charset="0"/>
+                <a:cs typeface="Courier New" panose="02070309020205020404" pitchFamily="49" charset="0"/>
+              </a:rPr>
+              <a:t>shutdown</a:t>
+            </a:r>
+            <a:endParaRPr lang="en-US" dirty="0">
+              <a:latin typeface="Courier New" panose="02070309020205020404" pitchFamily="49" charset="0"/>
+              <a:cs typeface="Courier New" panose="02070309020205020404" pitchFamily="49" charset="0"/>
+            </a:endParaRPr>
+          </a:p>
+          <a:p>
+            <a:pPr marL="0" lvl="0" indent="0">
+              <a:spcBef>
+                <a:spcPts val="0"/>
+              </a:spcBef>
+              <a:buNone/>
+            </a:pPr>
+            <a:r>
+              <a:rPr lang="hu-HU" dirty="0" err="1">
+                <a:latin typeface="Courier New" panose="02070309020205020404" pitchFamily="49" charset="0"/>
+                <a:cs typeface="Courier New" panose="02070309020205020404" pitchFamily="49" charset="0"/>
+              </a:rPr>
+              <a:t>exit</a:t>
+            </a:r>
+            <a:endParaRPr lang="hu-HU" dirty="0">
+              <a:latin typeface="Courier New" panose="02070309020205020404" pitchFamily="49" charset="0"/>
+              <a:cs typeface="Courier New" panose="02070309020205020404" pitchFamily="49" charset="0"/>
+            </a:endParaRPr>
+          </a:p>
+          <a:p>
+            <a:endParaRPr lang="hu-HU" dirty="0"/>
+          </a:p>
+        </p:txBody>
+      </p:sp>
+    </p:spTree>
+    <p:extLst>
+      <p:ext uri="{BB962C8B-B14F-4D97-AF65-F5344CB8AC3E}">
+        <p14:creationId xmlns:p14="http://schemas.microsoft.com/office/powerpoint/2010/main" val="1790574053"/>
+      </p:ext>
+    </p:extLst>
+  </p:cSld>
+  <p:clrMapOvr>
+    <a:masterClrMapping/>
+  </p:clrMapOvr>
+</p:sld>
+</file>
+
+<file path=ppt/slides/slide14.xml><?xml version="1.0" encoding="utf-8"?>
+<p:sld xmlns:a="http://schemas.openxmlformats.org/drawingml/2006/main" xmlns:r="http://schemas.openxmlformats.org/officeDocument/2006/relationships" xmlns:p="http://schemas.openxmlformats.org/presentationml/2006/main">
+  <p:cSld>
+    <p:spTree>
+      <p:nvGrpSpPr>
         <p:cNvPr id="1" name="Shape 114"/>
         <p:cNvGrpSpPr/>
         <p:nvPr/>
@@ -14054,7 +14780,7 @@
 </p:sld>
 </file>
 
-<file path=ppt/slides/slide11.xml><?xml version="1.0" encoding="utf-8"?>
+<file path=ppt/slides/slide15.xml><?xml version="1.0" encoding="utf-8"?>
 <p:sld xmlns:a="http://schemas.openxmlformats.org/drawingml/2006/main" xmlns:r="http://schemas.openxmlformats.org/officeDocument/2006/relationships" xmlns:p="http://schemas.openxmlformats.org/presentationml/2006/main">
   <p:cSld>
     <p:spTree>
@@ -14655,7 +15381,7 @@
 </p:sld>
 </file>
 
-<file path=ppt/slides/slide12.xml><?xml version="1.0" encoding="utf-8"?>
+<file path=ppt/slides/slide16.xml><?xml version="1.0" encoding="utf-8"?>
 <p:sld xmlns:a="http://schemas.openxmlformats.org/drawingml/2006/main" xmlns:r="http://schemas.openxmlformats.org/officeDocument/2006/relationships" xmlns:p="http://schemas.openxmlformats.org/presentationml/2006/main">
   <p:cSld>
     <p:spTree>
@@ -14749,7 +15475,7 @@
 </p:sld>
 </file>
 
-<file path=ppt/slides/slide13.xml><?xml version="1.0" encoding="utf-8"?>
+<file path=ppt/slides/slide17.xml><?xml version="1.0" encoding="utf-8"?>
 <p:sld xmlns:a="http://schemas.openxmlformats.org/drawingml/2006/main" xmlns:r="http://schemas.openxmlformats.org/officeDocument/2006/relationships" xmlns:p="http://schemas.openxmlformats.org/presentationml/2006/main">
   <p:cSld>
     <p:spTree>
@@ -14870,7 +15596,7 @@
 </p:sld>
 </file>
 
-<file path=ppt/slides/slide14.xml><?xml version="1.0" encoding="utf-8"?>
+<file path=ppt/slides/slide18.xml><?xml version="1.0" encoding="utf-8"?>
 <p:sld xmlns:a="http://schemas.openxmlformats.org/drawingml/2006/main" xmlns:r="http://schemas.openxmlformats.org/officeDocument/2006/relationships" xmlns:p="http://schemas.openxmlformats.org/presentationml/2006/main">
   <p:cSld>
     <p:spTree>
@@ -15006,7 +15732,7 @@
 </p:sld>
 </file>
 
-<file path=ppt/slides/slide15.xml><?xml version="1.0" encoding="utf-8"?>
+<file path=ppt/slides/slide19.xml><?xml version="1.0" encoding="utf-8"?>
 <p:sld xmlns:a="http://schemas.openxmlformats.org/drawingml/2006/main" xmlns:r="http://schemas.openxmlformats.org/officeDocument/2006/relationships" xmlns:p="http://schemas.openxmlformats.org/presentationml/2006/main">
   <p:cSld>
     <p:spTree>
@@ -15170,7 +15896,147 @@
 </p:sld>
 </file>
 
-<file path=ppt/slides/slide16.xml><?xml version="1.0" encoding="utf-8"?>
+<file path=ppt/slides/slide2.xml><?xml version="1.0" encoding="utf-8"?>
+<p:sld xmlns:a="http://schemas.openxmlformats.org/drawingml/2006/main" xmlns:r="http://schemas.openxmlformats.org/officeDocument/2006/relationships" xmlns:p="http://schemas.openxmlformats.org/presentationml/2006/main">
+  <p:cSld>
+    <p:spTree>
+      <p:nvGrpSpPr>
+        <p:cNvPr id="1" name="Shape 89"/>
+        <p:cNvGrpSpPr/>
+        <p:nvPr/>
+      </p:nvGrpSpPr>
+      <p:grpSpPr>
+        <a:xfrm>
+          <a:off x="0" y="0"/>
+          <a:ext cx="0" cy="0"/>
+          <a:chOff x="0" y="0"/>
+          <a:chExt cx="0" cy="0"/>
+        </a:xfrm>
+      </p:grpSpPr>
+      <p:sp>
+        <p:nvSpPr>
+          <p:cNvPr id="90" name="Google Shape;90;g1b75b12e4ab_0_5"/>
+          <p:cNvSpPr txBox="1">
+            <a:spLocks noGrp="1"/>
+          </p:cNvSpPr>
+          <p:nvPr>
+            <p:ph type="ctrTitle"/>
+          </p:nvPr>
+        </p:nvSpPr>
+        <p:spPr>
+          <a:xfrm>
+            <a:off x="1524000" y="1122363"/>
+            <a:ext cx="9144000" cy="2387700"/>
+          </a:xfrm>
+          <a:prstGeom prst="rect">
+            <a:avLst/>
+          </a:prstGeom>
+        </p:spPr>
+        <p:txBody>
+          <a:bodyPr spcFirstLastPara="1" wrap="square" lIns="91425" tIns="45700" rIns="91425" bIns="45700" anchor="b" anchorCtr="0">
+            <a:normAutofit/>
+          </a:bodyPr>
+          <a:lstStyle/>
+          <a:p>
+            <a:pPr marL="0" marR="38100" lvl="0" indent="0" algn="l" rtl="0">
+              <a:lnSpc>
+                <a:spcPct val="128571"/>
+              </a:lnSpc>
+              <a:spcBef>
+                <a:spcPts val="0"/>
+              </a:spcBef>
+              <a:spcAft>
+                <a:spcPts val="0"/>
+              </a:spcAft>
+              <a:buClr>
+                <a:schemeClr val="dk1"/>
+              </a:buClr>
+              <a:buSzPts val="1100"/>
+              <a:buFont typeface="Arial"/>
+              <a:buNone/>
+            </a:pPr>
+            <a:endParaRPr sz="2100">
+              <a:solidFill>
+                <a:srgbClr val="E8EAED"/>
+              </a:solidFill>
+              <a:highlight>
+                <a:srgbClr val="303134"/>
+              </a:highlight>
+              <a:latin typeface="Arial"/>
+              <a:ea typeface="Arial"/>
+              <a:cs typeface="Arial"/>
+              <a:sym typeface="Arial"/>
+            </a:endParaRPr>
+          </a:p>
+          <a:p>
+            <a:pPr marL="0" lvl="0" indent="0" algn="ctr" rtl="0">
+              <a:spcBef>
+                <a:spcPts val="0"/>
+              </a:spcBef>
+              <a:spcAft>
+                <a:spcPts val="0"/>
+              </a:spcAft>
+              <a:buNone/>
+            </a:pPr>
+            <a:r>
+              <a:rPr lang="hu-HU"/>
+              <a:t>IP address allocation (VLSM)</a:t>
+            </a:r>
+            <a:endParaRPr/>
+          </a:p>
+        </p:txBody>
+      </p:sp>
+      <p:sp>
+        <p:nvSpPr>
+          <p:cNvPr id="91" name="Google Shape;91;g1b75b12e4ab_0_5"/>
+          <p:cNvSpPr txBox="1">
+            <a:spLocks noGrp="1"/>
+          </p:cNvSpPr>
+          <p:nvPr>
+            <p:ph type="subTitle" idx="1"/>
+          </p:nvPr>
+        </p:nvSpPr>
+        <p:spPr>
+          <a:xfrm>
+            <a:off x="1524000" y="3602038"/>
+            <a:ext cx="9144000" cy="1655700"/>
+          </a:xfrm>
+          <a:prstGeom prst="rect">
+            <a:avLst/>
+          </a:prstGeom>
+        </p:spPr>
+        <p:txBody>
+          <a:bodyPr spcFirstLastPara="1" wrap="square" lIns="91425" tIns="45700" rIns="91425" bIns="45700" anchor="t" anchorCtr="0">
+            <a:normAutofit/>
+          </a:bodyPr>
+          <a:lstStyle/>
+          <a:p>
+            <a:pPr marL="0" lvl="0" indent="0" algn="ctr" rtl="0">
+              <a:spcBef>
+                <a:spcPts val="1000"/>
+              </a:spcBef>
+              <a:spcAft>
+                <a:spcPts val="0"/>
+              </a:spcAft>
+              <a:buNone/>
+            </a:pPr>
+            <a:r>
+              <a:rPr lang="hu-HU"/>
+              <a:t>Ocskó Gábor</a:t>
+            </a:r>
+            <a:endParaRPr/>
+          </a:p>
+        </p:txBody>
+      </p:sp>
+    </p:spTree>
+  </p:cSld>
+  <p:clrMapOvr>
+    <a:masterClrMapping/>
+  </p:clrMapOvr>
+</p:sld>
+</file>
+
+<file path=ppt/slides/slide20.xml><?xml version="1.0" encoding="utf-8"?>
 <p:sld xmlns:a="http://schemas.openxmlformats.org/drawingml/2006/main" xmlns:r="http://schemas.openxmlformats.org/officeDocument/2006/relationships" xmlns:p="http://schemas.openxmlformats.org/presentationml/2006/main">
   <p:cSld>
     <p:spTree>
@@ -15713,7 +16579,7 @@
 </p:sld>
 </file>
 
-<file path=ppt/slides/slide17.xml><?xml version="1.0" encoding="utf-8"?>
+<file path=ppt/slides/slide21.xml><?xml version="1.0" encoding="utf-8"?>
 <p:sld xmlns:a="http://schemas.openxmlformats.org/drawingml/2006/main" xmlns:r="http://schemas.openxmlformats.org/officeDocument/2006/relationships" xmlns:p="http://schemas.openxmlformats.org/presentationml/2006/main">
   <p:cSld>
     <p:spTree>
@@ -15888,7 +16754,7 @@
 </p:sld>
 </file>
 
-<file path=ppt/slides/slide18.xml><?xml version="1.0" encoding="utf-8"?>
+<file path=ppt/slides/slide22.xml><?xml version="1.0" encoding="utf-8"?>
 <p:sld xmlns:a="http://schemas.openxmlformats.org/drawingml/2006/main" xmlns:r="http://schemas.openxmlformats.org/officeDocument/2006/relationships" xmlns:p="http://schemas.openxmlformats.org/presentationml/2006/main">
   <p:cSld>
     <p:spTree>
@@ -15948,7 +16814,7 @@
 </p:sld>
 </file>
 
-<file path=ppt/slides/slide19.xml><?xml version="1.0" encoding="utf-8"?>
+<file path=ppt/slides/slide23.xml><?xml version="1.0" encoding="utf-8"?>
 <p:sld xmlns:a="http://schemas.openxmlformats.org/drawingml/2006/main" xmlns:r="http://schemas.openxmlformats.org/officeDocument/2006/relationships" xmlns:p="http://schemas.openxmlformats.org/presentationml/2006/main">
   <p:cSld>
     <p:spTree>
@@ -16043,147 +16909,7 @@
 </p:sld>
 </file>
 
-<file path=ppt/slides/slide2.xml><?xml version="1.0" encoding="utf-8"?>
-<p:sld xmlns:a="http://schemas.openxmlformats.org/drawingml/2006/main" xmlns:r="http://schemas.openxmlformats.org/officeDocument/2006/relationships" xmlns:p="http://schemas.openxmlformats.org/presentationml/2006/main">
-  <p:cSld>
-    <p:spTree>
-      <p:nvGrpSpPr>
-        <p:cNvPr id="1" name="Shape 89"/>
-        <p:cNvGrpSpPr/>
-        <p:nvPr/>
-      </p:nvGrpSpPr>
-      <p:grpSpPr>
-        <a:xfrm>
-          <a:off x="0" y="0"/>
-          <a:ext cx="0" cy="0"/>
-          <a:chOff x="0" y="0"/>
-          <a:chExt cx="0" cy="0"/>
-        </a:xfrm>
-      </p:grpSpPr>
-      <p:sp>
-        <p:nvSpPr>
-          <p:cNvPr id="90" name="Google Shape;90;g1b75b12e4ab_0_5"/>
-          <p:cNvSpPr txBox="1">
-            <a:spLocks noGrp="1"/>
-          </p:cNvSpPr>
-          <p:nvPr>
-            <p:ph type="ctrTitle"/>
-          </p:nvPr>
-        </p:nvSpPr>
-        <p:spPr>
-          <a:xfrm>
-            <a:off x="1524000" y="1122363"/>
-            <a:ext cx="9144000" cy="2387700"/>
-          </a:xfrm>
-          <a:prstGeom prst="rect">
-            <a:avLst/>
-          </a:prstGeom>
-        </p:spPr>
-        <p:txBody>
-          <a:bodyPr spcFirstLastPara="1" wrap="square" lIns="91425" tIns="45700" rIns="91425" bIns="45700" anchor="b" anchorCtr="0">
-            <a:normAutofit/>
-          </a:bodyPr>
-          <a:lstStyle/>
-          <a:p>
-            <a:pPr marL="0" marR="38100" lvl="0" indent="0" algn="l" rtl="0">
-              <a:lnSpc>
-                <a:spcPct val="128571"/>
-              </a:lnSpc>
-              <a:spcBef>
-                <a:spcPts val="0"/>
-              </a:spcBef>
-              <a:spcAft>
-                <a:spcPts val="0"/>
-              </a:spcAft>
-              <a:buClr>
-                <a:schemeClr val="dk1"/>
-              </a:buClr>
-              <a:buSzPts val="1100"/>
-              <a:buFont typeface="Arial"/>
-              <a:buNone/>
-            </a:pPr>
-            <a:endParaRPr sz="2100">
-              <a:solidFill>
-                <a:srgbClr val="E8EAED"/>
-              </a:solidFill>
-              <a:highlight>
-                <a:srgbClr val="303134"/>
-              </a:highlight>
-              <a:latin typeface="Arial"/>
-              <a:ea typeface="Arial"/>
-              <a:cs typeface="Arial"/>
-              <a:sym typeface="Arial"/>
-            </a:endParaRPr>
-          </a:p>
-          <a:p>
-            <a:pPr marL="0" lvl="0" indent="0" algn="ctr" rtl="0">
-              <a:spcBef>
-                <a:spcPts val="0"/>
-              </a:spcBef>
-              <a:spcAft>
-                <a:spcPts val="0"/>
-              </a:spcAft>
-              <a:buNone/>
-            </a:pPr>
-            <a:r>
-              <a:rPr lang="hu-HU"/>
-              <a:t>IP address allocation (VLSM)</a:t>
-            </a:r>
-            <a:endParaRPr/>
-          </a:p>
-        </p:txBody>
-      </p:sp>
-      <p:sp>
-        <p:nvSpPr>
-          <p:cNvPr id="91" name="Google Shape;91;g1b75b12e4ab_0_5"/>
-          <p:cNvSpPr txBox="1">
-            <a:spLocks noGrp="1"/>
-          </p:cNvSpPr>
-          <p:nvPr>
-            <p:ph type="subTitle" idx="1"/>
-          </p:nvPr>
-        </p:nvSpPr>
-        <p:spPr>
-          <a:xfrm>
-            <a:off x="1524000" y="3602038"/>
-            <a:ext cx="9144000" cy="1655700"/>
-          </a:xfrm>
-          <a:prstGeom prst="rect">
-            <a:avLst/>
-          </a:prstGeom>
-        </p:spPr>
-        <p:txBody>
-          <a:bodyPr spcFirstLastPara="1" wrap="square" lIns="91425" tIns="45700" rIns="91425" bIns="45700" anchor="t" anchorCtr="0">
-            <a:normAutofit/>
-          </a:bodyPr>
-          <a:lstStyle/>
-          <a:p>
-            <a:pPr marL="0" lvl="0" indent="0" algn="ctr" rtl="0">
-              <a:spcBef>
-                <a:spcPts val="1000"/>
-              </a:spcBef>
-              <a:spcAft>
-                <a:spcPts val="0"/>
-              </a:spcAft>
-              <a:buNone/>
-            </a:pPr>
-            <a:r>
-              <a:rPr lang="hu-HU"/>
-              <a:t>Ocskó Gábor</a:t>
-            </a:r>
-            <a:endParaRPr/>
-          </a:p>
-        </p:txBody>
-      </p:sp>
-    </p:spTree>
-  </p:cSld>
-  <p:clrMapOvr>
-    <a:masterClrMapping/>
-  </p:clrMapOvr>
-</p:sld>
-</file>
-
-<file path=ppt/slides/slide20.xml><?xml version="1.0" encoding="utf-8"?>
+<file path=ppt/slides/slide24.xml><?xml version="1.0" encoding="utf-8"?>
 <p:sld xmlns:a="http://schemas.openxmlformats.org/drawingml/2006/main" xmlns:r="http://schemas.openxmlformats.org/officeDocument/2006/relationships" xmlns:p="http://schemas.openxmlformats.org/presentationml/2006/main">
   <p:cSld>
     <p:spTree>
@@ -16273,7 +16999,7 @@
 </p:sld>
 </file>
 
-<file path=ppt/slides/slide21.xml><?xml version="1.0" encoding="utf-8"?>
+<file path=ppt/slides/slide25.xml><?xml version="1.0" encoding="utf-8"?>
 <p:sld xmlns:a="http://schemas.openxmlformats.org/drawingml/2006/main" xmlns:r="http://schemas.openxmlformats.org/officeDocument/2006/relationships" xmlns:p="http://schemas.openxmlformats.org/presentationml/2006/main">
   <p:cSld>
     <p:spTree>
@@ -16413,7 +17139,7 @@
 </p:sld>
 </file>
 
-<file path=ppt/slides/slide22.xml><?xml version="1.0" encoding="utf-8"?>
+<file path=ppt/slides/slide26.xml><?xml version="1.0" encoding="utf-8"?>
 <p:sld xmlns:a="http://schemas.openxmlformats.org/drawingml/2006/main" xmlns:r="http://schemas.openxmlformats.org/officeDocument/2006/relationships" xmlns:p="http://schemas.openxmlformats.org/presentationml/2006/main">
   <p:cSld>
     <p:spTree>
@@ -16510,12 +17236,12 @@
 </p:sld>
 </file>
 
-<file path=ppt/slides/slide23.xml><?xml version="1.0" encoding="utf-8"?>
+<file path=ppt/slides/slide27.xml><?xml version="1.0" encoding="utf-8"?>
 <p:sld xmlns:a="http://schemas.openxmlformats.org/drawingml/2006/main" xmlns:r="http://schemas.openxmlformats.org/officeDocument/2006/relationships" xmlns:p="http://schemas.openxmlformats.org/presentationml/2006/main">
   <p:cSld>
     <p:spTree>
       <p:nvGrpSpPr>
-        <p:cNvPr id="1" name="Shape 139"/>
+        <p:cNvPr id="1" name=""/>
         <p:cNvGrpSpPr/>
         <p:nvPr/>
       </p:nvGrpSpPr>
@@ -16529,94 +17255,76 @@
       </p:grpSpPr>
       <p:sp>
         <p:nvSpPr>
-          <p:cNvPr id="140" name="Google Shape;140;g1b75b12e4ab_0_68"/>
-          <p:cNvSpPr txBox="1">
+          <p:cNvPr id="2" name="Cím 1">
+            <a:extLst>
+              <a:ext uri="{FF2B5EF4-FFF2-40B4-BE49-F238E27FC236}">
+                <a16:creationId xmlns:a16="http://schemas.microsoft.com/office/drawing/2014/main" id="{B425F5AD-37FF-4402-BBAE-50EBFE311878}"/>
+              </a:ext>
+            </a:extLst>
+          </p:cNvPr>
+          <p:cNvSpPr>
             <a:spLocks noGrp="1"/>
           </p:cNvSpPr>
           <p:nvPr>
             <p:ph type="ctrTitle"/>
           </p:nvPr>
         </p:nvSpPr>
-        <p:spPr>
-          <a:xfrm>
-            <a:off x="1524000" y="1122363"/>
-            <a:ext cx="9144000" cy="2387700"/>
-          </a:xfrm>
-          <a:prstGeom prst="rect">
-            <a:avLst/>
-          </a:prstGeom>
-        </p:spPr>
+        <p:spPr/>
         <p:txBody>
-          <a:bodyPr spcFirstLastPara="1" wrap="square" lIns="91425" tIns="45700" rIns="91425" bIns="45700" anchor="b" anchorCtr="0">
-            <a:normAutofit/>
-          </a:bodyPr>
+          <a:bodyPr/>
           <a:lstStyle/>
           <a:p>
-            <a:pPr marL="0" lvl="0" indent="0" algn="ctr" rtl="0">
-              <a:spcBef>
-                <a:spcPts val="0"/>
-              </a:spcBef>
-              <a:spcAft>
-                <a:spcPts val="0"/>
-              </a:spcAft>
-              <a:buClr>
-                <a:schemeClr val="dk1"/>
-              </a:buClr>
-              <a:buSzPts val="6000"/>
-              <a:buFont typeface="Calibri"/>
-              <a:buNone/>
-            </a:pPr>
             <a:r>
-              <a:rPr lang="hu-HU"/>
-              <a:t>I, K, S és O network</a:t>
+              <a:rPr lang="en-US" dirty="0"/>
+              <a:t>Szolnok </a:t>
             </a:r>
-            <a:endParaRPr/>
+            <a:r>
+              <a:rPr lang="en-US" dirty="0" err="1"/>
+              <a:t>Wifi</a:t>
+            </a:r>
+            <a:r>
+              <a:rPr lang="en-US" dirty="0"/>
+              <a:t> subnet configuration</a:t>
+            </a:r>
+            <a:endParaRPr lang="hu-HU" dirty="0"/>
           </a:p>
         </p:txBody>
       </p:sp>
       <p:sp>
         <p:nvSpPr>
-          <p:cNvPr id="141" name="Google Shape;141;g1b75b12e4ab_0_68"/>
-          <p:cNvSpPr txBox="1">
+          <p:cNvPr id="3" name="Alcím 2">
+            <a:extLst>
+              <a:ext uri="{FF2B5EF4-FFF2-40B4-BE49-F238E27FC236}">
+                <a16:creationId xmlns:a16="http://schemas.microsoft.com/office/drawing/2014/main" id="{284EDDEA-0E21-4C9F-9F90-F6F627B83E1F}"/>
+              </a:ext>
+            </a:extLst>
+          </p:cNvPr>
+          <p:cNvSpPr>
             <a:spLocks noGrp="1"/>
           </p:cNvSpPr>
           <p:nvPr>
             <p:ph type="subTitle" idx="1"/>
           </p:nvPr>
         </p:nvSpPr>
-        <p:spPr>
-          <a:xfrm>
-            <a:off x="1524000" y="3602038"/>
-            <a:ext cx="9144000" cy="1655700"/>
-          </a:xfrm>
-          <a:prstGeom prst="rect">
-            <a:avLst/>
-          </a:prstGeom>
-        </p:spPr>
+        <p:spPr/>
         <p:txBody>
-          <a:bodyPr spcFirstLastPara="1" wrap="square" lIns="91425" tIns="45700" rIns="91425" bIns="45700" anchor="t" anchorCtr="0">
-            <a:normAutofit/>
-          </a:bodyPr>
+          <a:bodyPr/>
           <a:lstStyle/>
           <a:p>
-            <a:pPr marL="0" lvl="0" indent="0" algn="ctr" rtl="0">
-              <a:spcBef>
-                <a:spcPts val="1000"/>
-              </a:spcBef>
-              <a:spcAft>
-                <a:spcPts val="0"/>
-              </a:spcAft>
-              <a:buNone/>
-            </a:pPr>
             <a:r>
-              <a:rPr lang="hu-HU"/>
-              <a:t>Ocskó Gábor</a:t>
+              <a:rPr lang="en-US" dirty="0"/>
+              <a:t>Kómár Attila</a:t>
             </a:r>
-            <a:endParaRPr/>
+            <a:endParaRPr lang="hu-HU" dirty="0"/>
           </a:p>
         </p:txBody>
       </p:sp>
     </p:spTree>
+    <p:extLst>
+      <p:ext uri="{BB962C8B-B14F-4D97-AF65-F5344CB8AC3E}">
+        <p14:creationId xmlns:p14="http://schemas.microsoft.com/office/powerpoint/2010/main" val="1624250055"/>
+      </p:ext>
+    </p:extLst>
   </p:cSld>
   <p:clrMapOvr>
     <a:masterClrMapping/>
@@ -16624,12 +17332,12 @@
 </p:sld>
 </file>
 
-<file path=ppt/slides/slide24.xml><?xml version="1.0" encoding="utf-8"?>
+<file path=ppt/slides/slide28.xml><?xml version="1.0" encoding="utf-8"?>
 <p:sld xmlns:a="http://schemas.openxmlformats.org/drawingml/2006/main" xmlns:r="http://schemas.openxmlformats.org/officeDocument/2006/relationships" xmlns:p="http://schemas.openxmlformats.org/presentationml/2006/main">
   <p:cSld>
     <p:spTree>
       <p:nvGrpSpPr>
-        <p:cNvPr id="1" name="Shape 145"/>
+        <p:cNvPr id="1" name=""/>
         <p:cNvGrpSpPr/>
         <p:nvPr/>
       </p:nvGrpSpPr>
@@ -16643,74 +17351,94 @@
       </p:grpSpPr>
       <p:sp>
         <p:nvSpPr>
-          <p:cNvPr id="146" name="Google Shape;146;g1b75b12e4ab_0_73"/>
-          <p:cNvSpPr txBox="1">
+          <p:cNvPr id="2" name="Cím 1">
+            <a:extLst>
+              <a:ext uri="{FF2B5EF4-FFF2-40B4-BE49-F238E27FC236}">
+                <a16:creationId xmlns:a16="http://schemas.microsoft.com/office/drawing/2014/main" id="{92A70AAD-935C-4B2A-B6D3-756ECF27E36B}"/>
+              </a:ext>
+            </a:extLst>
+          </p:cNvPr>
+          <p:cNvSpPr>
             <a:spLocks noGrp="1"/>
           </p:cNvSpPr>
           <p:nvPr>
             <p:ph type="title"/>
           </p:nvPr>
         </p:nvSpPr>
+        <p:spPr/>
+        <p:txBody>
+          <a:bodyPr/>
+          <a:lstStyle/>
+          <a:p>
+            <a:r>
+              <a:rPr lang="en-US" dirty="0"/>
+              <a:t>Topology</a:t>
+            </a:r>
+            <a:endParaRPr lang="hu-HU" dirty="0"/>
+          </a:p>
+        </p:txBody>
+      </p:sp>
+      <p:sp>
+        <p:nvSpPr>
+          <p:cNvPr id="3" name="Szöveg helye 2">
+            <a:extLst>
+              <a:ext uri="{FF2B5EF4-FFF2-40B4-BE49-F238E27FC236}">
+                <a16:creationId xmlns:a16="http://schemas.microsoft.com/office/drawing/2014/main" id="{57EFC632-1359-4609-ADF6-D7C28AF62BE7}"/>
+              </a:ext>
+            </a:extLst>
+          </p:cNvPr>
+          <p:cNvSpPr>
+            <a:spLocks noGrp="1"/>
+          </p:cNvSpPr>
+          <p:nvPr>
+            <p:ph type="body" idx="1"/>
+          </p:nvPr>
+        </p:nvSpPr>
+        <p:spPr/>
+        <p:txBody>
+          <a:bodyPr/>
+          <a:lstStyle/>
+          <a:p>
+            <a:endParaRPr lang="hu-HU"/>
+          </a:p>
+        </p:txBody>
+      </p:sp>
+      <p:pic>
+        <p:nvPicPr>
+          <p:cNvPr id="4" name="Kép 3">
+            <a:extLst>
+              <a:ext uri="{FF2B5EF4-FFF2-40B4-BE49-F238E27FC236}">
+                <a16:creationId xmlns:a16="http://schemas.microsoft.com/office/drawing/2014/main" id="{3EB94A59-E63D-4F6C-A343-8B821779986B}"/>
+              </a:ext>
+            </a:extLst>
+          </p:cNvPr>
+          <p:cNvPicPr>
+            <a:picLocks noChangeAspect="1"/>
+          </p:cNvPicPr>
+          <p:nvPr/>
+        </p:nvPicPr>
+        <p:blipFill>
+          <a:blip r:embed="rId2"/>
+          <a:stretch>
+            <a:fillRect/>
+          </a:stretch>
+        </p:blipFill>
         <p:spPr>
           <a:xfrm>
-            <a:off x="838200" y="365125"/>
-            <a:ext cx="10515600" cy="1325700"/>
+            <a:off x="3364907" y="1148819"/>
+            <a:ext cx="5462185" cy="5704949"/>
           </a:xfrm>
           <a:prstGeom prst="rect">
             <a:avLst/>
           </a:prstGeom>
         </p:spPr>
-        <p:txBody>
-          <a:bodyPr spcFirstLastPara="1" wrap="square" lIns="91425" tIns="45700" rIns="91425" bIns="45700" anchor="ctr" anchorCtr="0">
-            <a:normAutofit/>
-          </a:bodyPr>
-          <a:lstStyle/>
-          <a:p>
-            <a:pPr marL="0" lvl="0" indent="0" algn="l" rtl="0">
-              <a:spcBef>
-                <a:spcPts val="0"/>
-              </a:spcBef>
-              <a:spcAft>
-                <a:spcPts val="0"/>
-              </a:spcAft>
-              <a:buNone/>
-            </a:pPr>
-            <a:r>
-              <a:rPr lang="hu-HU"/>
-              <a:t>The topology</a:t>
-            </a:r>
-            <a:endParaRPr/>
-          </a:p>
-        </p:txBody>
-      </p:sp>
-      <p:pic>
-        <p:nvPicPr>
-          <p:cNvPr id="147" name="Google Shape;147;g1b75b12e4ab_0_73"/>
-          <p:cNvPicPr preferRelativeResize="0"/>
-          <p:nvPr/>
-        </p:nvPicPr>
-        <p:blipFill rotWithShape="1">
-          <a:blip r:embed="rId3">
-            <a:alphaModFix/>
-          </a:blip>
-          <a:srcRect/>
-          <a:stretch/>
-        </p:blipFill>
-        <p:spPr>
-          <a:xfrm>
-            <a:off x="539647" y="1715700"/>
-            <a:ext cx="10669247" cy="4269798"/>
-          </a:xfrm>
-          <a:prstGeom prst="rect">
-            <a:avLst/>
-          </a:prstGeom>
-          <a:noFill/>
-          <a:ln>
-            <a:noFill/>
-          </a:ln>
-        </p:spPr>
       </p:pic>
     </p:spTree>
+    <p:extLst>
+      <p:ext uri="{BB962C8B-B14F-4D97-AF65-F5344CB8AC3E}">
+        <p14:creationId xmlns:p14="http://schemas.microsoft.com/office/powerpoint/2010/main" val="2465340339"/>
+      </p:ext>
+    </p:extLst>
   </p:cSld>
   <p:clrMapOvr>
     <a:masterClrMapping/>
@@ -16718,12 +17446,12 @@
 </p:sld>
 </file>
 
-<file path=ppt/slides/slide25.xml><?xml version="1.0" encoding="utf-8"?>
+<file path=ppt/slides/slide29.xml><?xml version="1.0" encoding="utf-8"?>
 <p:sld xmlns:a="http://schemas.openxmlformats.org/drawingml/2006/main" xmlns:r="http://schemas.openxmlformats.org/officeDocument/2006/relationships" xmlns:p="http://schemas.openxmlformats.org/presentationml/2006/main">
   <p:cSld>
     <p:spTree>
       <p:nvGrpSpPr>
-        <p:cNvPr id="1" name="Shape 151"/>
+        <p:cNvPr id="1" name=""/>
         <p:cNvGrpSpPr/>
         <p:nvPr/>
       </p:nvGrpSpPr>
@@ -16737,925 +17465,136 @@
       </p:grpSpPr>
       <p:sp>
         <p:nvSpPr>
-          <p:cNvPr id="152" name="Google Shape;152;g1b75b12e4ab_0_79"/>
-          <p:cNvSpPr txBox="1">
+          <p:cNvPr id="2" name="Cím 1">
+            <a:extLst>
+              <a:ext uri="{FF2B5EF4-FFF2-40B4-BE49-F238E27FC236}">
+                <a16:creationId xmlns:a16="http://schemas.microsoft.com/office/drawing/2014/main" id="{2CD0D469-5325-49D7-8F94-4BB3CE5D52F3}"/>
+              </a:ext>
+            </a:extLst>
+          </p:cNvPr>
+          <p:cNvSpPr>
             <a:spLocks noGrp="1"/>
           </p:cNvSpPr>
           <p:nvPr>
             <p:ph type="title"/>
           </p:nvPr>
         </p:nvSpPr>
-        <p:spPr>
-          <a:xfrm>
-            <a:off x="838200" y="365125"/>
-            <a:ext cx="10515600" cy="1325700"/>
-          </a:xfrm>
-          <a:prstGeom prst="rect">
-            <a:avLst/>
-          </a:prstGeom>
-        </p:spPr>
+        <p:spPr/>
         <p:txBody>
-          <a:bodyPr spcFirstLastPara="1" wrap="square" lIns="91425" tIns="45700" rIns="91425" bIns="45700" anchor="ctr" anchorCtr="0">
-            <a:normAutofit/>
-          </a:bodyPr>
+          <a:bodyPr/>
           <a:lstStyle/>
           <a:p>
-            <a:pPr marL="0" lvl="0" indent="0" algn="l" rtl="0">
-              <a:spcBef>
-                <a:spcPts val="0"/>
-              </a:spcBef>
-              <a:spcAft>
-                <a:spcPts val="0"/>
-              </a:spcAft>
-              <a:buNone/>
-            </a:pPr>
             <a:r>
-              <a:rPr lang="hu-HU"/>
-              <a:t>What was the task?</a:t>
+              <a:rPr lang="en-US" dirty="0"/>
+              <a:t>IP addresses</a:t>
             </a:r>
-            <a:endParaRPr/>
+            <a:endParaRPr lang="hu-HU" dirty="0"/>
           </a:p>
         </p:txBody>
       </p:sp>
       <p:sp>
         <p:nvSpPr>
-          <p:cNvPr id="153" name="Google Shape;153;g1b75b12e4ab_0_79"/>
-          <p:cNvSpPr txBox="1">
+          <p:cNvPr id="3" name="Szöveg helye 2">
+            <a:extLst>
+              <a:ext uri="{FF2B5EF4-FFF2-40B4-BE49-F238E27FC236}">
+                <a16:creationId xmlns:a16="http://schemas.microsoft.com/office/drawing/2014/main" id="{A082042A-6CD2-4731-AB59-9FB6D41E9A95}"/>
+              </a:ext>
+            </a:extLst>
+          </p:cNvPr>
+          <p:cNvSpPr>
             <a:spLocks noGrp="1"/>
           </p:cNvSpPr>
           <p:nvPr>
             <p:ph type="body" idx="1"/>
           </p:nvPr>
         </p:nvSpPr>
-        <p:spPr>
-          <a:xfrm>
-            <a:off x="838200" y="1825625"/>
-            <a:ext cx="10515600" cy="4351200"/>
-          </a:xfrm>
-          <a:prstGeom prst="rect">
-            <a:avLst/>
-          </a:prstGeom>
-        </p:spPr>
+        <p:spPr/>
         <p:txBody>
-          <a:bodyPr spcFirstLastPara="1" wrap="square" lIns="91425" tIns="45700" rIns="91425" bIns="45700" anchor="t" anchorCtr="0">
-            <a:normAutofit/>
-          </a:bodyPr>
+          <a:bodyPr/>
           <a:lstStyle/>
           <a:p>
-            <a:pPr marL="0" lvl="0" indent="0" algn="l" rtl="0">
-              <a:spcBef>
-                <a:spcPts val="1000"/>
-              </a:spcBef>
-              <a:spcAft>
-                <a:spcPts val="0"/>
-              </a:spcAft>
-              <a:buNone/>
-            </a:pPr>
+            <a:pPr algn="ctr"/>
             <a:r>
-              <a:rPr lang="hu-HU" sz="3000">
-                <a:solidFill>
-                  <a:srgbClr val="202124"/>
-                </a:solidFill>
-                <a:highlight>
-                  <a:srgbClr val="F8F9FA"/>
-                </a:highlight>
-                <a:latin typeface="Arial"/>
-                <a:ea typeface="Arial"/>
-                <a:cs typeface="Arial"/>
-                <a:sym typeface="Arial"/>
-              </a:rPr>
-              <a:t>-To set the ip addresses of R-SZOLNOK</a:t>
+              <a:rPr lang="en-US" dirty="0"/>
+              <a:t>Printer: 192.168.10.2</a:t>
             </a:r>
-            <a:endParaRPr sz="3000">
-              <a:solidFill>
-                <a:srgbClr val="202124"/>
-              </a:solidFill>
-              <a:highlight>
-                <a:srgbClr val="F8F9FA"/>
-              </a:highlight>
-              <a:latin typeface="Arial"/>
-              <a:ea typeface="Arial"/>
-              <a:cs typeface="Arial"/>
-              <a:sym typeface="Arial"/>
-            </a:endParaRPr>
-          </a:p>
-          <a:p>
-            <a:pPr marL="0" lvl="0" indent="0" algn="l" rtl="0">
-              <a:spcBef>
-                <a:spcPts val="1000"/>
-              </a:spcBef>
-              <a:spcAft>
-                <a:spcPts val="0"/>
-              </a:spcAft>
-              <a:buNone/>
-            </a:pPr>
+          </a:p>
+          <a:p>
+            <a:pPr algn="ctr"/>
             <a:r>
-              <a:rPr lang="hu-HU" sz="3000">
-                <a:solidFill>
-                  <a:srgbClr val="202124"/>
-                </a:solidFill>
-                <a:highlight>
-                  <a:srgbClr val="F8F9FA"/>
-                </a:highlight>
-                <a:latin typeface="Arial"/>
-                <a:ea typeface="Arial"/>
-                <a:cs typeface="Arial"/>
-                <a:sym typeface="Arial"/>
-              </a:rPr>
-              <a:t>-Set a password and set a message of the day</a:t>
+              <a:rPr lang="en-US" dirty="0"/>
+              <a:t>PC: 192.168.10.3</a:t>
             </a:r>
-            <a:endParaRPr sz="3000">
-              <a:solidFill>
-                <a:srgbClr val="202124"/>
-              </a:solidFill>
-              <a:highlight>
-                <a:srgbClr val="F8F9FA"/>
-              </a:highlight>
-              <a:latin typeface="Arial"/>
-              <a:ea typeface="Arial"/>
-              <a:cs typeface="Arial"/>
-              <a:sym typeface="Arial"/>
-            </a:endParaRPr>
-          </a:p>
-          <a:p>
-            <a:pPr marL="0" marR="38100" lvl="0" indent="0" algn="l" rtl="0">
-              <a:lnSpc>
-                <a:spcPct val="128571"/>
-              </a:lnSpc>
-              <a:spcBef>
-                <a:spcPts val="0"/>
-              </a:spcBef>
-              <a:spcAft>
-                <a:spcPts val="0"/>
-              </a:spcAft>
-              <a:buClr>
-                <a:schemeClr val="dk1"/>
-              </a:buClr>
-              <a:buSzPts val="1100"/>
-              <a:buFont typeface="Arial"/>
-              <a:buNone/>
-            </a:pPr>
-            <a:r>
-              <a:rPr lang="hu-HU" sz="3000">
-                <a:solidFill>
-                  <a:srgbClr val="202124"/>
-                </a:solidFill>
-                <a:highlight>
-                  <a:srgbClr val="F8F9FA"/>
-                </a:highlight>
-                <a:latin typeface="Arial"/>
-                <a:ea typeface="Arial"/>
-                <a:cs typeface="Arial"/>
-                <a:sym typeface="Arial"/>
-              </a:rPr>
-              <a:t>-Save config to tftp server</a:t>
-            </a:r>
-            <a:endParaRPr sz="3000">
-              <a:solidFill>
-                <a:srgbClr val="202124"/>
-              </a:solidFill>
-              <a:highlight>
-                <a:srgbClr val="F8F9FA"/>
-              </a:highlight>
-              <a:latin typeface="Arial"/>
-              <a:ea typeface="Arial"/>
-              <a:cs typeface="Arial"/>
-              <a:sym typeface="Arial"/>
-            </a:endParaRPr>
-          </a:p>
-          <a:p>
-            <a:pPr marL="0" lvl="0" indent="0" algn="l" rtl="0">
-              <a:spcBef>
-                <a:spcPts val="1000"/>
-              </a:spcBef>
-              <a:spcAft>
-                <a:spcPts val="0"/>
-              </a:spcAft>
-              <a:buNone/>
-            </a:pPr>
-            <a:endParaRPr/>
-          </a:p>
-        </p:txBody>
-      </p:sp>
-    </p:spTree>
-  </p:cSld>
-  <p:clrMapOvr>
-    <a:masterClrMapping/>
-  </p:clrMapOvr>
-</p:sld>
-</file>
-
-<file path=ppt/slides/slide26.xml><?xml version="1.0" encoding="utf-8"?>
-<p:sld xmlns:a="http://schemas.openxmlformats.org/drawingml/2006/main" xmlns:r="http://schemas.openxmlformats.org/officeDocument/2006/relationships" xmlns:p="http://schemas.openxmlformats.org/presentationml/2006/main">
-  <p:cSld>
-    <p:spTree>
-      <p:nvGrpSpPr>
-        <p:cNvPr id="1" name="Shape 157"/>
-        <p:cNvGrpSpPr/>
-        <p:nvPr/>
-      </p:nvGrpSpPr>
-      <p:grpSpPr>
-        <a:xfrm>
-          <a:off x="0" y="0"/>
-          <a:ext cx="0" cy="0"/>
-          <a:chOff x="0" y="0"/>
-          <a:chExt cx="0" cy="0"/>
-        </a:xfrm>
-      </p:grpSpPr>
-      <p:sp>
-        <p:nvSpPr>
-          <p:cNvPr id="158" name="Google Shape;158;g1b75b12e4ab_0_85"/>
-          <p:cNvSpPr txBox="1">
-            <a:spLocks noGrp="1"/>
-          </p:cNvSpPr>
-          <p:nvPr>
-            <p:ph type="title"/>
-          </p:nvPr>
-        </p:nvSpPr>
-        <p:spPr>
-          <a:xfrm>
-            <a:off x="838200" y="365125"/>
-            <a:ext cx="10515600" cy="1325700"/>
-          </a:xfrm>
-          <a:prstGeom prst="rect">
-            <a:avLst/>
-          </a:prstGeom>
-        </p:spPr>
-        <p:txBody>
-          <a:bodyPr spcFirstLastPara="1" wrap="square" lIns="91425" tIns="45700" rIns="91425" bIns="45700" anchor="ctr" anchorCtr="0">
-            <a:normAutofit/>
-          </a:bodyPr>
-          <a:lstStyle/>
-          <a:p>
-            <a:pPr marL="0" lvl="0" indent="0" algn="l" rtl="0">
-              <a:spcBef>
-                <a:spcPts val="0"/>
-              </a:spcBef>
-              <a:spcAft>
-                <a:spcPts val="0"/>
-              </a:spcAft>
-              <a:buClr>
-                <a:schemeClr val="dk1"/>
-              </a:buClr>
-              <a:buSzPts val="1800"/>
-              <a:buFont typeface="Arial"/>
-              <a:buNone/>
-            </a:pPr>
-            <a:r>
-              <a:rPr lang="hu-HU"/>
-              <a:t>R-SZOLNOK</a:t>
-            </a:r>
-            <a:endParaRPr/>
-          </a:p>
-        </p:txBody>
-      </p:sp>
-      <p:sp>
-        <p:nvSpPr>
-          <p:cNvPr id="159" name="Google Shape;159;g1b75b12e4ab_0_85"/>
-          <p:cNvSpPr txBox="1">
-            <a:spLocks noGrp="1"/>
-          </p:cNvSpPr>
-          <p:nvPr>
-            <p:ph type="body" idx="1"/>
-          </p:nvPr>
-        </p:nvSpPr>
-        <p:spPr>
-          <a:xfrm>
-            <a:off x="838200" y="1825625"/>
-            <a:ext cx="10515600" cy="4351200"/>
-          </a:xfrm>
-          <a:prstGeom prst="rect">
-            <a:avLst/>
-          </a:prstGeom>
-        </p:spPr>
-        <p:txBody>
-          <a:bodyPr spcFirstLastPara="1" wrap="square" lIns="91425" tIns="45700" rIns="91425" bIns="45700" anchor="t" anchorCtr="0">
-            <a:normAutofit/>
-          </a:bodyPr>
-          <a:lstStyle/>
-          <a:p>
-            <a:pPr marL="0" marR="38100" lvl="0" indent="0" algn="l" rtl="0">
-              <a:lnSpc>
-                <a:spcPct val="128571"/>
-              </a:lnSpc>
-              <a:spcBef>
-                <a:spcPts val="0"/>
-              </a:spcBef>
-              <a:spcAft>
-                <a:spcPts val="0"/>
-              </a:spcAft>
-              <a:buClr>
-                <a:schemeClr val="dk1"/>
-              </a:buClr>
-              <a:buSzPts val="1100"/>
-              <a:buFont typeface="Arial"/>
-              <a:buNone/>
-            </a:pPr>
-            <a:r>
-              <a:rPr lang="hu-HU" sz="2600">
-                <a:solidFill>
-                  <a:srgbClr val="202124"/>
-                </a:solidFill>
-                <a:highlight>
-                  <a:srgbClr val="F8F9FA"/>
-                </a:highlight>
-                <a:latin typeface="Arial"/>
-                <a:ea typeface="Arial"/>
-                <a:cs typeface="Arial"/>
-                <a:sym typeface="Arial"/>
-              </a:rPr>
-              <a:t>To set the ip address and the other stuff listed, you needed these:</a:t>
-            </a:r>
-            <a:endParaRPr sz="2600">
-              <a:solidFill>
-                <a:srgbClr val="202124"/>
-              </a:solidFill>
-              <a:highlight>
-                <a:srgbClr val="F8F9FA"/>
-              </a:highlight>
-              <a:latin typeface="Arial"/>
-              <a:ea typeface="Arial"/>
-              <a:cs typeface="Arial"/>
-              <a:sym typeface="Arial"/>
-            </a:endParaRPr>
-          </a:p>
-          <a:p>
-            <a:pPr marL="0" lvl="0" indent="0" algn="l" rtl="0">
-              <a:spcBef>
-                <a:spcPts val="1000"/>
-              </a:spcBef>
-              <a:spcAft>
-                <a:spcPts val="0"/>
-              </a:spcAft>
-              <a:buNone/>
-            </a:pPr>
-            <a:endParaRPr/>
+            <a:endParaRPr lang="hu-HU" dirty="0"/>
           </a:p>
         </p:txBody>
       </p:sp>
       <p:pic>
         <p:nvPicPr>
-          <p:cNvPr id="160" name="Google Shape;160;g1b75b12e4ab_0_85" descr="A képen szöveg látható&#10;&#10;Automatikusan generált leírás"/>
-          <p:cNvPicPr preferRelativeResize="0"/>
-          <p:nvPr/>
-        </p:nvPicPr>
-        <p:blipFill rotWithShape="1">
-          <a:blip r:embed="rId3">
-            <a:alphaModFix/>
-          </a:blip>
-          <a:srcRect/>
-          <a:stretch/>
-        </p:blipFill>
-        <p:spPr>
-          <a:xfrm>
-            <a:off x="3741842" y="2570813"/>
-            <a:ext cx="4770775" cy="3615127"/>
-          </a:xfrm>
-          <a:prstGeom prst="rect">
-            <a:avLst/>
-          </a:prstGeom>
-          <a:noFill/>
-          <a:ln>
-            <a:noFill/>
-          </a:ln>
-        </p:spPr>
-      </p:pic>
-    </p:spTree>
-  </p:cSld>
-  <p:clrMapOvr>
-    <a:masterClrMapping/>
-  </p:clrMapOvr>
-</p:sld>
-</file>
-
-<file path=ppt/slides/slide27.xml><?xml version="1.0" encoding="utf-8"?>
-<p:sld xmlns:a="http://schemas.openxmlformats.org/drawingml/2006/main" xmlns:r="http://schemas.openxmlformats.org/officeDocument/2006/relationships" xmlns:p="http://schemas.openxmlformats.org/presentationml/2006/main">
-  <p:cSld>
-    <p:spTree>
-      <p:nvGrpSpPr>
-        <p:cNvPr id="1" name="Shape 164"/>
-        <p:cNvGrpSpPr/>
-        <p:nvPr/>
-      </p:nvGrpSpPr>
-      <p:grpSpPr>
-        <a:xfrm>
-          <a:off x="0" y="0"/>
-          <a:ext cx="0" cy="0"/>
-          <a:chOff x="0" y="0"/>
-          <a:chExt cx="0" cy="0"/>
-        </a:xfrm>
-      </p:grpSpPr>
-      <p:sp>
-        <p:nvSpPr>
-          <p:cNvPr id="165" name="Google Shape;165;g1b75b12e4ab_0_92"/>
-          <p:cNvSpPr txBox="1">
-            <a:spLocks noGrp="1"/>
-          </p:cNvSpPr>
-          <p:nvPr>
-            <p:ph type="ctrTitle"/>
-          </p:nvPr>
-        </p:nvSpPr>
-        <p:spPr>
-          <a:xfrm>
-            <a:off x="1445550" y="828163"/>
-            <a:ext cx="9144000" cy="2387700"/>
-          </a:xfrm>
-          <a:prstGeom prst="rect">
-            <a:avLst/>
-          </a:prstGeom>
-        </p:spPr>
-        <p:txBody>
-          <a:bodyPr spcFirstLastPara="1" wrap="square" lIns="91425" tIns="45700" rIns="91425" bIns="45700" anchor="b" anchorCtr="0">
-            <a:normAutofit/>
-          </a:bodyPr>
-          <a:lstStyle/>
-          <a:p>
-            <a:pPr marL="0" marR="38100" lvl="0" indent="0" algn="ctr" rtl="0">
-              <a:lnSpc>
-                <a:spcPct val="128571"/>
-              </a:lnSpc>
-              <a:spcBef>
-                <a:spcPts val="0"/>
-              </a:spcBef>
-              <a:spcAft>
-                <a:spcPts val="0"/>
-              </a:spcAft>
-              <a:buNone/>
-            </a:pPr>
-            <a:r>
-              <a:rPr lang="hu-HU" sz="3400">
-                <a:solidFill>
-                  <a:srgbClr val="202124"/>
-                </a:solidFill>
-                <a:highlight>
-                  <a:srgbClr val="F8F9FA"/>
-                </a:highlight>
-                <a:latin typeface="Arial"/>
-                <a:ea typeface="Arial"/>
-                <a:cs typeface="Arial"/>
-                <a:sym typeface="Arial"/>
-              </a:rPr>
-              <a:t>Checking the network</a:t>
-            </a:r>
-            <a:endParaRPr sz="7300"/>
-          </a:p>
-        </p:txBody>
-      </p:sp>
-      <p:sp>
-        <p:nvSpPr>
-          <p:cNvPr id="166" name="Google Shape;166;g1b75b12e4ab_0_92"/>
-          <p:cNvSpPr txBox="1">
-            <a:spLocks noGrp="1"/>
-          </p:cNvSpPr>
-          <p:nvPr>
-            <p:ph type="subTitle" idx="1"/>
-          </p:nvPr>
-        </p:nvSpPr>
-        <p:spPr>
-          <a:xfrm>
-            <a:off x="1524000" y="3602038"/>
-            <a:ext cx="9144000" cy="1655700"/>
-          </a:xfrm>
-          <a:prstGeom prst="rect">
-            <a:avLst/>
-          </a:prstGeom>
-        </p:spPr>
-        <p:txBody>
-          <a:bodyPr spcFirstLastPara="1" wrap="square" lIns="91425" tIns="45700" rIns="91425" bIns="45700" anchor="t" anchorCtr="0">
-            <a:normAutofit/>
-          </a:bodyPr>
-          <a:lstStyle/>
-          <a:p>
-            <a:pPr marL="0" lvl="0" indent="0" algn="ctr" rtl="0">
-              <a:spcBef>
-                <a:spcPts val="1000"/>
-              </a:spcBef>
-              <a:spcAft>
-                <a:spcPts val="0"/>
-              </a:spcAft>
-              <a:buNone/>
-            </a:pPr>
-            <a:r>
-              <a:rPr lang="hu-HU"/>
-              <a:t>P A I N</a:t>
-            </a:r>
-            <a:endParaRPr/>
-          </a:p>
-        </p:txBody>
-      </p:sp>
-    </p:spTree>
-  </p:cSld>
-  <p:clrMapOvr>
-    <a:masterClrMapping/>
-  </p:clrMapOvr>
-</p:sld>
-</file>
-
-<file path=ppt/slides/slide28.xml><?xml version="1.0" encoding="utf-8"?>
-<p:sld xmlns:a="http://schemas.openxmlformats.org/drawingml/2006/main" xmlns:r="http://schemas.openxmlformats.org/officeDocument/2006/relationships" xmlns:p="http://schemas.openxmlformats.org/presentationml/2006/main">
-  <p:cSld>
-    <p:spTree>
-      <p:nvGrpSpPr>
-        <p:cNvPr id="1" name="Shape 170"/>
-        <p:cNvGrpSpPr/>
-        <p:nvPr/>
-      </p:nvGrpSpPr>
-      <p:grpSpPr>
-        <a:xfrm>
-          <a:off x="0" y="0"/>
-          <a:ext cx="0" cy="0"/>
-          <a:chOff x="0" y="0"/>
-          <a:chExt cx="0" cy="0"/>
-        </a:xfrm>
-      </p:grpSpPr>
-      <p:sp>
-        <p:nvSpPr>
-          <p:cNvPr id="171" name="Google Shape;171;g1b75b12e4ab_0_98"/>
-          <p:cNvSpPr txBox="1">
-            <a:spLocks noGrp="1"/>
-          </p:cNvSpPr>
-          <p:nvPr>
-            <p:ph type="title"/>
-          </p:nvPr>
-        </p:nvSpPr>
-        <p:spPr>
-          <a:xfrm>
-            <a:off x="838200" y="365125"/>
-            <a:ext cx="10515600" cy="1325700"/>
-          </a:xfrm>
-          <a:prstGeom prst="rect">
-            <a:avLst/>
-          </a:prstGeom>
-        </p:spPr>
-        <p:txBody>
-          <a:bodyPr spcFirstLastPara="1" wrap="square" lIns="91425" tIns="45700" rIns="91425" bIns="45700" anchor="ctr" anchorCtr="0">
-            <a:normAutofit/>
-          </a:bodyPr>
-          <a:lstStyle/>
-          <a:p>
-            <a:pPr marL="0" lvl="0" indent="0" algn="l" rtl="0">
-              <a:spcBef>
-                <a:spcPts val="0"/>
-              </a:spcBef>
-              <a:spcAft>
-                <a:spcPts val="0"/>
-              </a:spcAft>
-              <a:buNone/>
-            </a:pPr>
-            <a:r>
-              <a:rPr lang="hu-HU"/>
-              <a:t>What was the task?</a:t>
-            </a:r>
-            <a:endParaRPr/>
-          </a:p>
-        </p:txBody>
-      </p:sp>
-      <p:sp>
-        <p:nvSpPr>
-          <p:cNvPr id="172" name="Google Shape;172;g1b75b12e4ab_0_98"/>
-          <p:cNvSpPr txBox="1">
-            <a:spLocks noGrp="1"/>
-          </p:cNvSpPr>
-          <p:nvPr>
-            <p:ph type="body" idx="1"/>
-          </p:nvPr>
-        </p:nvSpPr>
-        <p:spPr>
-          <a:xfrm>
-            <a:off x="838200" y="1825625"/>
-            <a:ext cx="10515600" cy="4351200"/>
-          </a:xfrm>
-          <a:prstGeom prst="rect">
-            <a:avLst/>
-          </a:prstGeom>
-        </p:spPr>
-        <p:txBody>
-          <a:bodyPr spcFirstLastPara="1" wrap="square" lIns="91425" tIns="45700" rIns="91425" bIns="45700" anchor="t" anchorCtr="0">
-            <a:normAutofit/>
-          </a:bodyPr>
-          <a:lstStyle/>
-          <a:p>
-            <a:pPr marL="0" lvl="0" indent="0" algn="l" rtl="0">
-              <a:spcBef>
-                <a:spcPts val="1000"/>
-              </a:spcBef>
-              <a:spcAft>
-                <a:spcPts val="0"/>
-              </a:spcAft>
-              <a:buNone/>
-            </a:pPr>
-            <a:r>
-              <a:rPr lang="hu-HU" sz="4200">
-                <a:solidFill>
-                  <a:srgbClr val="202124"/>
-                </a:solidFill>
-                <a:highlight>
-                  <a:srgbClr val="F8F9FA"/>
-                </a:highlight>
-                <a:latin typeface="Arial"/>
-                <a:ea typeface="Arial"/>
-                <a:cs typeface="Arial"/>
-                <a:sym typeface="Arial"/>
-              </a:rPr>
-              <a:t>-Check with the courier</a:t>
-            </a:r>
-            <a:endParaRPr sz="4200">
-              <a:solidFill>
-                <a:srgbClr val="202124"/>
-              </a:solidFill>
-              <a:highlight>
-                <a:srgbClr val="F8F9FA"/>
-              </a:highlight>
-              <a:latin typeface="Arial"/>
-              <a:ea typeface="Arial"/>
-              <a:cs typeface="Arial"/>
-              <a:sym typeface="Arial"/>
-            </a:endParaRPr>
-          </a:p>
-          <a:p>
-            <a:pPr marL="0" lvl="0" indent="0" algn="l" rtl="0">
-              <a:spcBef>
-                <a:spcPts val="1000"/>
-              </a:spcBef>
-              <a:spcAft>
-                <a:spcPts val="0"/>
-              </a:spcAft>
-              <a:buNone/>
-            </a:pPr>
-            <a:r>
-              <a:rPr lang="hu-HU" sz="4200">
-                <a:solidFill>
-                  <a:srgbClr val="202124"/>
-                </a:solidFill>
-                <a:highlight>
-                  <a:srgbClr val="F8F9FA"/>
-                </a:highlight>
-                <a:latin typeface="Arial"/>
-                <a:ea typeface="Arial"/>
-                <a:cs typeface="Arial"/>
-                <a:sym typeface="Arial"/>
-              </a:rPr>
-              <a:t>-To ping</a:t>
-            </a:r>
-            <a:endParaRPr sz="4200">
-              <a:solidFill>
-                <a:srgbClr val="202124"/>
-              </a:solidFill>
-              <a:highlight>
-                <a:srgbClr val="F8F9FA"/>
-              </a:highlight>
-              <a:latin typeface="Arial"/>
-              <a:ea typeface="Arial"/>
-              <a:cs typeface="Arial"/>
-              <a:sym typeface="Arial"/>
-            </a:endParaRPr>
-          </a:p>
-          <a:p>
-            <a:pPr marL="0" lvl="0" indent="0" algn="l" rtl="0">
-              <a:spcBef>
-                <a:spcPts val="1000"/>
-              </a:spcBef>
-              <a:spcAft>
-                <a:spcPts val="0"/>
-              </a:spcAft>
-              <a:buNone/>
-            </a:pPr>
-            <a:r>
-              <a:rPr lang="hu-HU" sz="4200">
-                <a:solidFill>
-                  <a:srgbClr val="202124"/>
-                </a:solidFill>
-                <a:highlight>
-                  <a:srgbClr val="F8F9FA"/>
-                </a:highlight>
-                <a:latin typeface="Arial"/>
-                <a:ea typeface="Arial"/>
-                <a:cs typeface="Arial"/>
-                <a:sym typeface="Arial"/>
-              </a:rPr>
-              <a:t>-Is the Gdprojekt.net page available?</a:t>
-            </a:r>
-            <a:endParaRPr sz="4200">
-              <a:solidFill>
-                <a:srgbClr val="202124"/>
-              </a:solidFill>
-              <a:highlight>
-                <a:srgbClr val="F8F9FA"/>
-              </a:highlight>
-              <a:latin typeface="Arial"/>
-              <a:ea typeface="Arial"/>
-              <a:cs typeface="Arial"/>
-              <a:sym typeface="Arial"/>
-            </a:endParaRPr>
-          </a:p>
-          <a:p>
-            <a:pPr marL="0" marR="38100" lvl="0" indent="0" algn="l" rtl="0">
-              <a:lnSpc>
-                <a:spcPct val="128571"/>
-              </a:lnSpc>
-              <a:spcBef>
-                <a:spcPts val="0"/>
-              </a:spcBef>
-              <a:spcAft>
-                <a:spcPts val="0"/>
-              </a:spcAft>
-              <a:buClr>
-                <a:schemeClr val="dk1"/>
-              </a:buClr>
-              <a:buSzPts val="1100"/>
-              <a:buFont typeface="Arial"/>
-              <a:buNone/>
-            </a:pPr>
-            <a:r>
-              <a:rPr lang="hu-HU" sz="4200">
-                <a:solidFill>
-                  <a:srgbClr val="202124"/>
-                </a:solidFill>
-                <a:highlight>
-                  <a:srgbClr val="F8F9FA"/>
-                </a:highlight>
-                <a:latin typeface="Arial"/>
-                <a:ea typeface="Arial"/>
-                <a:cs typeface="Arial"/>
-                <a:sym typeface="Arial"/>
-              </a:rPr>
-              <a:t>-Ssh and telnet</a:t>
-            </a:r>
-            <a:endParaRPr sz="4200">
-              <a:solidFill>
-                <a:srgbClr val="202124"/>
-              </a:solidFill>
-              <a:highlight>
-                <a:srgbClr val="F8F9FA"/>
-              </a:highlight>
-              <a:latin typeface="Arial"/>
-              <a:ea typeface="Arial"/>
-              <a:cs typeface="Arial"/>
-              <a:sym typeface="Arial"/>
-            </a:endParaRPr>
-          </a:p>
-          <a:p>
-            <a:pPr marL="0" lvl="0" indent="0" algn="l" rtl="0">
-              <a:spcBef>
-                <a:spcPts val="1000"/>
-              </a:spcBef>
-              <a:spcAft>
-                <a:spcPts val="0"/>
-              </a:spcAft>
-              <a:buNone/>
-            </a:pPr>
-            <a:endParaRPr/>
-          </a:p>
-        </p:txBody>
-      </p:sp>
-    </p:spTree>
-  </p:cSld>
-  <p:clrMapOvr>
-    <a:masterClrMapping/>
-  </p:clrMapOvr>
-</p:sld>
-</file>
-
-<file path=ppt/slides/slide29.xml><?xml version="1.0" encoding="utf-8"?>
-<p:sld xmlns:a="http://schemas.openxmlformats.org/drawingml/2006/main" xmlns:r="http://schemas.openxmlformats.org/officeDocument/2006/relationships" xmlns:p="http://schemas.openxmlformats.org/presentationml/2006/main">
-  <p:cSld>
-    <p:spTree>
-      <p:nvGrpSpPr>
-        <p:cNvPr id="1" name="Shape 176"/>
-        <p:cNvGrpSpPr/>
-        <p:nvPr/>
-      </p:nvGrpSpPr>
-      <p:grpSpPr>
-        <a:xfrm>
-          <a:off x="0" y="0"/>
-          <a:ext cx="0" cy="0"/>
-          <a:chOff x="0" y="0"/>
-          <a:chExt cx="0" cy="0"/>
-        </a:xfrm>
-      </p:grpSpPr>
-      <p:sp>
-        <p:nvSpPr>
-          <p:cNvPr id="177" name="Google Shape;177;g1b75b12e4ab_0_104"/>
-          <p:cNvSpPr txBox="1">
-            <a:spLocks noGrp="1"/>
-          </p:cNvSpPr>
-          <p:nvPr>
-            <p:ph type="title"/>
-          </p:nvPr>
-        </p:nvSpPr>
-        <p:spPr>
-          <a:xfrm>
-            <a:off x="838200" y="365125"/>
-            <a:ext cx="10515600" cy="1325700"/>
-          </a:xfrm>
-          <a:prstGeom prst="rect">
-            <a:avLst/>
-          </a:prstGeom>
-        </p:spPr>
-        <p:txBody>
-          <a:bodyPr spcFirstLastPara="1" wrap="square" lIns="91425" tIns="45700" rIns="91425" bIns="45700" anchor="ctr" anchorCtr="0">
-            <a:normAutofit/>
-          </a:bodyPr>
-          <a:lstStyle/>
-          <a:p>
-            <a:pPr marL="0" marR="38100" lvl="0" indent="0" algn="l" rtl="0">
-              <a:lnSpc>
-                <a:spcPct val="128571"/>
-              </a:lnSpc>
-              <a:spcBef>
-                <a:spcPts val="0"/>
-              </a:spcBef>
-              <a:spcAft>
-                <a:spcPts val="0"/>
-              </a:spcAft>
-              <a:buNone/>
-            </a:pPr>
-            <a:r>
-              <a:rPr lang="hu-HU" sz="4300">
-                <a:solidFill>
-                  <a:srgbClr val="202124"/>
-                </a:solidFill>
-                <a:highlight>
-                  <a:srgbClr val="F8F9FA"/>
-                </a:highlight>
-                <a:latin typeface="Arial"/>
-                <a:ea typeface="Arial"/>
-                <a:cs typeface="Arial"/>
-                <a:sym typeface="Arial"/>
-              </a:rPr>
-              <a:t>Mail and ping</a:t>
-            </a:r>
-            <a:endParaRPr sz="6600"/>
-          </a:p>
-        </p:txBody>
-      </p:sp>
-      <p:sp>
-        <p:nvSpPr>
-          <p:cNvPr id="178" name="Google Shape;178;g1b75b12e4ab_0_104"/>
-          <p:cNvSpPr txBox="1">
-            <a:spLocks noGrp="1"/>
-          </p:cNvSpPr>
-          <p:nvPr>
-            <p:ph type="body" idx="1"/>
-          </p:nvPr>
-        </p:nvSpPr>
-        <p:spPr>
-          <a:xfrm>
-            <a:off x="838200" y="1825625"/>
-            <a:ext cx="10515600" cy="4351200"/>
-          </a:xfrm>
-          <a:prstGeom prst="rect">
-            <a:avLst/>
-          </a:prstGeom>
-        </p:spPr>
-        <p:txBody>
-          <a:bodyPr spcFirstLastPara="1" wrap="square" lIns="91425" tIns="45700" rIns="91425" bIns="45700" anchor="t" anchorCtr="0">
-            <a:normAutofit/>
-          </a:bodyPr>
-          <a:lstStyle/>
-          <a:p>
-            <a:pPr marL="0" lvl="0" indent="0" algn="l" rtl="0">
-              <a:spcBef>
-                <a:spcPts val="1000"/>
-              </a:spcBef>
-              <a:spcAft>
-                <a:spcPts val="0"/>
-              </a:spcAft>
-              <a:buNone/>
-            </a:pPr>
-            <a:endParaRPr/>
-          </a:p>
-        </p:txBody>
-      </p:sp>
-      <p:pic>
-        <p:nvPicPr>
-          <p:cNvPr id="179" name="Google Shape;179;g1b75b12e4ab_0_104"/>
-          <p:cNvPicPr preferRelativeResize="0"/>
+          <p:cNvPr id="4" name="Kép 3">
+            <a:extLst>
+              <a:ext uri="{FF2B5EF4-FFF2-40B4-BE49-F238E27FC236}">
+                <a16:creationId xmlns:a16="http://schemas.microsoft.com/office/drawing/2014/main" id="{DC87979F-E539-4422-991B-262945EED9FF}"/>
+              </a:ext>
+            </a:extLst>
+          </p:cNvPr>
+          <p:cNvPicPr>
+            <a:picLocks noChangeAspect="1"/>
+          </p:cNvPicPr>
           <p:nvPr/>
         </p:nvPicPr>
         <p:blipFill>
-          <a:blip r:embed="rId3">
-            <a:alphaModFix/>
-          </a:blip>
+          <a:blip r:embed="rId2"/>
           <a:stretch>
             <a:fillRect/>
           </a:stretch>
         </p:blipFill>
         <p:spPr>
           <a:xfrm>
-            <a:off x="0" y="1381100"/>
-            <a:ext cx="12192002" cy="5476901"/>
+            <a:off x="2966970" y="2962312"/>
+            <a:ext cx="6258060" cy="1887552"/>
           </a:xfrm>
           <a:prstGeom prst="rect">
             <a:avLst/>
           </a:prstGeom>
-          <a:noFill/>
-          <a:ln>
-            <a:noFill/>
-          </a:ln>
+        </p:spPr>
+      </p:pic>
+      <p:pic>
+        <p:nvPicPr>
+          <p:cNvPr id="5" name="Kép 4">
+            <a:extLst>
+              <a:ext uri="{FF2B5EF4-FFF2-40B4-BE49-F238E27FC236}">
+                <a16:creationId xmlns:a16="http://schemas.microsoft.com/office/drawing/2014/main" id="{6ABAD4B6-DCBC-495F-BD3B-1F0B6AFC0E19}"/>
+              </a:ext>
+            </a:extLst>
+          </p:cNvPr>
+          <p:cNvPicPr>
+            <a:picLocks noChangeAspect="1"/>
+          </p:cNvPicPr>
+          <p:nvPr/>
+        </p:nvPicPr>
+        <p:blipFill>
+          <a:blip r:embed="rId3"/>
+          <a:stretch>
+            <a:fillRect/>
+          </a:stretch>
+        </p:blipFill>
+        <p:spPr>
+          <a:xfrm>
+            <a:off x="2966970" y="4849864"/>
+            <a:ext cx="6258060" cy="1327099"/>
+          </a:xfrm>
+          <a:prstGeom prst="rect">
+            <a:avLst/>
+          </a:prstGeom>
         </p:spPr>
       </p:pic>
     </p:spTree>
+    <p:extLst>
+      <p:ext uri="{BB962C8B-B14F-4D97-AF65-F5344CB8AC3E}">
+        <p14:creationId xmlns:p14="http://schemas.microsoft.com/office/powerpoint/2010/main" val="1032533390"/>
+      </p:ext>
+    </p:extLst>
   </p:cSld>
   <p:clrMapOvr>
     <a:masterClrMapping/>
@@ -18078,7 +18017,7 @@
   <p:cSld>
     <p:spTree>
       <p:nvGrpSpPr>
-        <p:cNvPr id="1" name="Shape 183"/>
+        <p:cNvPr id="1" name=""/>
         <p:cNvGrpSpPr/>
         <p:nvPr/>
       </p:nvGrpSpPr>
@@ -18092,7 +18031,521 @@
       </p:grpSpPr>
       <p:sp>
         <p:nvSpPr>
-          <p:cNvPr id="184" name="Google Shape;184;g1b75b12e4ab_0_111"/>
+          <p:cNvPr id="2" name="Cím 1">
+            <a:extLst>
+              <a:ext uri="{FF2B5EF4-FFF2-40B4-BE49-F238E27FC236}">
+                <a16:creationId xmlns:a16="http://schemas.microsoft.com/office/drawing/2014/main" id="{4CDF4E7C-0C22-46E7-9231-2629182C856C}"/>
+              </a:ext>
+            </a:extLst>
+          </p:cNvPr>
+          <p:cNvSpPr>
+            <a:spLocks noGrp="1"/>
+          </p:cNvSpPr>
+          <p:nvPr>
+            <p:ph type="title"/>
+          </p:nvPr>
+        </p:nvSpPr>
+        <p:spPr/>
+        <p:txBody>
+          <a:bodyPr/>
+          <a:lstStyle/>
+          <a:p>
+            <a:r>
+              <a:rPr lang="en-US" dirty="0" err="1"/>
+              <a:t>Wifi</a:t>
+            </a:r>
+            <a:r>
+              <a:rPr lang="en-US" dirty="0"/>
+              <a:t> Setup</a:t>
+            </a:r>
+            <a:endParaRPr lang="hu-HU" dirty="0"/>
+          </a:p>
+        </p:txBody>
+      </p:sp>
+      <p:sp>
+        <p:nvSpPr>
+          <p:cNvPr id="3" name="Szöveg helye 2">
+            <a:extLst>
+              <a:ext uri="{FF2B5EF4-FFF2-40B4-BE49-F238E27FC236}">
+                <a16:creationId xmlns:a16="http://schemas.microsoft.com/office/drawing/2014/main" id="{8AEAAB24-EB69-4FA2-8645-82C41140437D}"/>
+              </a:ext>
+            </a:extLst>
+          </p:cNvPr>
+          <p:cNvSpPr>
+            <a:spLocks noGrp="1"/>
+          </p:cNvSpPr>
+          <p:nvPr>
+            <p:ph type="body" idx="1"/>
+          </p:nvPr>
+        </p:nvSpPr>
+        <p:spPr/>
+        <p:txBody>
+          <a:bodyPr/>
+          <a:lstStyle/>
+          <a:p>
+            <a:endParaRPr lang="hu-HU"/>
+          </a:p>
+        </p:txBody>
+      </p:sp>
+      <p:pic>
+        <p:nvPicPr>
+          <p:cNvPr id="4" name="Kép 3">
+            <a:extLst>
+              <a:ext uri="{FF2B5EF4-FFF2-40B4-BE49-F238E27FC236}">
+                <a16:creationId xmlns:a16="http://schemas.microsoft.com/office/drawing/2014/main" id="{73D2B40A-9DE5-4142-9241-C4FEBF7110B7}"/>
+              </a:ext>
+            </a:extLst>
+          </p:cNvPr>
+          <p:cNvPicPr>
+            <a:picLocks noChangeAspect="1"/>
+          </p:cNvPicPr>
+          <p:nvPr/>
+        </p:nvPicPr>
+        <p:blipFill>
+          <a:blip r:embed="rId2"/>
+          <a:stretch>
+            <a:fillRect/>
+          </a:stretch>
+        </p:blipFill>
+        <p:spPr>
+          <a:xfrm>
+            <a:off x="2214924" y="1825625"/>
+            <a:ext cx="7762151" cy="4351338"/>
+          </a:xfrm>
+          <a:prstGeom prst="rect">
+            <a:avLst/>
+          </a:prstGeom>
+        </p:spPr>
+      </p:pic>
+    </p:spTree>
+    <p:extLst>
+      <p:ext uri="{BB962C8B-B14F-4D97-AF65-F5344CB8AC3E}">
+        <p14:creationId xmlns:p14="http://schemas.microsoft.com/office/powerpoint/2010/main" val="2397720334"/>
+      </p:ext>
+    </p:extLst>
+  </p:cSld>
+  <p:clrMapOvr>
+    <a:masterClrMapping/>
+  </p:clrMapOvr>
+</p:sld>
+</file>
+
+<file path=ppt/slides/slide31.xml><?xml version="1.0" encoding="utf-8"?>
+<p:sld xmlns:a="http://schemas.openxmlformats.org/drawingml/2006/main" xmlns:r="http://schemas.openxmlformats.org/officeDocument/2006/relationships" xmlns:p="http://schemas.openxmlformats.org/presentationml/2006/main">
+  <p:cSld>
+    <p:spTree>
+      <p:nvGrpSpPr>
+        <p:cNvPr id="1" name=""/>
+        <p:cNvGrpSpPr/>
+        <p:nvPr/>
+      </p:nvGrpSpPr>
+      <p:grpSpPr>
+        <a:xfrm>
+          <a:off x="0" y="0"/>
+          <a:ext cx="0" cy="0"/>
+          <a:chOff x="0" y="0"/>
+          <a:chExt cx="0" cy="0"/>
+        </a:xfrm>
+      </p:grpSpPr>
+      <p:sp>
+        <p:nvSpPr>
+          <p:cNvPr id="2" name="Cím 1">
+            <a:extLst>
+              <a:ext uri="{FF2B5EF4-FFF2-40B4-BE49-F238E27FC236}">
+                <a16:creationId xmlns:a16="http://schemas.microsoft.com/office/drawing/2014/main" id="{085CB60E-2DD7-4689-8002-CC7338109F4D}"/>
+              </a:ext>
+            </a:extLst>
+          </p:cNvPr>
+          <p:cNvSpPr>
+            <a:spLocks noGrp="1"/>
+          </p:cNvSpPr>
+          <p:nvPr>
+            <p:ph type="title"/>
+          </p:nvPr>
+        </p:nvSpPr>
+        <p:spPr/>
+        <p:txBody>
+          <a:bodyPr/>
+          <a:lstStyle/>
+          <a:p>
+            <a:r>
+              <a:rPr lang="en-US" dirty="0" err="1"/>
+              <a:t>Wifi</a:t>
+            </a:r>
+            <a:r>
+              <a:rPr lang="en-US" dirty="0"/>
+              <a:t> Wireless</a:t>
+            </a:r>
+            <a:endParaRPr lang="hu-HU" dirty="0"/>
+          </a:p>
+        </p:txBody>
+      </p:sp>
+      <p:sp>
+        <p:nvSpPr>
+          <p:cNvPr id="3" name="Szöveg helye 2">
+            <a:extLst>
+              <a:ext uri="{FF2B5EF4-FFF2-40B4-BE49-F238E27FC236}">
+                <a16:creationId xmlns:a16="http://schemas.microsoft.com/office/drawing/2014/main" id="{DAE34A05-1961-426C-B12D-54C1FE739EBC}"/>
+              </a:ext>
+            </a:extLst>
+          </p:cNvPr>
+          <p:cNvSpPr>
+            <a:spLocks noGrp="1"/>
+          </p:cNvSpPr>
+          <p:nvPr>
+            <p:ph type="body" idx="1"/>
+          </p:nvPr>
+        </p:nvSpPr>
+        <p:spPr/>
+        <p:txBody>
+          <a:bodyPr/>
+          <a:lstStyle/>
+          <a:p>
+            <a:endParaRPr lang="hu-HU"/>
+          </a:p>
+        </p:txBody>
+      </p:sp>
+      <p:pic>
+        <p:nvPicPr>
+          <p:cNvPr id="4" name="Kép 3">
+            <a:extLst>
+              <a:ext uri="{FF2B5EF4-FFF2-40B4-BE49-F238E27FC236}">
+                <a16:creationId xmlns:a16="http://schemas.microsoft.com/office/drawing/2014/main" id="{2C0690F8-86B4-4027-A277-BD31DB69A172}"/>
+              </a:ext>
+            </a:extLst>
+          </p:cNvPr>
+          <p:cNvPicPr>
+            <a:picLocks noChangeAspect="1"/>
+          </p:cNvPicPr>
+          <p:nvPr/>
+        </p:nvPicPr>
+        <p:blipFill>
+          <a:blip r:embed="rId2"/>
+          <a:stretch>
+            <a:fillRect/>
+          </a:stretch>
+        </p:blipFill>
+        <p:spPr>
+          <a:xfrm>
+            <a:off x="353711" y="1505393"/>
+            <a:ext cx="5201376" cy="4991797"/>
+          </a:xfrm>
+          <a:prstGeom prst="rect">
+            <a:avLst/>
+          </a:prstGeom>
+        </p:spPr>
+      </p:pic>
+      <p:pic>
+        <p:nvPicPr>
+          <p:cNvPr id="5" name="Kép 4">
+            <a:extLst>
+              <a:ext uri="{FF2B5EF4-FFF2-40B4-BE49-F238E27FC236}">
+                <a16:creationId xmlns:a16="http://schemas.microsoft.com/office/drawing/2014/main" id="{F47A4C7C-79D5-4C51-BCC5-9E2E6B9BF5AD}"/>
+              </a:ext>
+            </a:extLst>
+          </p:cNvPr>
+          <p:cNvPicPr>
+            <a:picLocks noChangeAspect="1"/>
+          </p:cNvPicPr>
+          <p:nvPr/>
+        </p:nvPicPr>
+        <p:blipFill>
+          <a:blip r:embed="rId3"/>
+          <a:stretch>
+            <a:fillRect/>
+          </a:stretch>
+        </p:blipFill>
+        <p:spPr>
+          <a:xfrm>
+            <a:off x="5786907" y="3213117"/>
+            <a:ext cx="5914098" cy="1576347"/>
+          </a:xfrm>
+          <a:prstGeom prst="rect">
+            <a:avLst/>
+          </a:prstGeom>
+        </p:spPr>
+      </p:pic>
+    </p:spTree>
+    <p:extLst>
+      <p:ext uri="{BB962C8B-B14F-4D97-AF65-F5344CB8AC3E}">
+        <p14:creationId xmlns:p14="http://schemas.microsoft.com/office/powerpoint/2010/main" val="4120305890"/>
+      </p:ext>
+    </p:extLst>
+  </p:cSld>
+  <p:clrMapOvr>
+    <a:masterClrMapping/>
+  </p:clrMapOvr>
+</p:sld>
+</file>
+
+<file path=ppt/slides/slide32.xml><?xml version="1.0" encoding="utf-8"?>
+<p:sld xmlns:a="http://schemas.openxmlformats.org/drawingml/2006/main" xmlns:r="http://schemas.openxmlformats.org/officeDocument/2006/relationships" xmlns:p="http://schemas.openxmlformats.org/presentationml/2006/main">
+  <p:cSld>
+    <p:spTree>
+      <p:nvGrpSpPr>
+        <p:cNvPr id="1" name=""/>
+        <p:cNvGrpSpPr/>
+        <p:nvPr/>
+      </p:nvGrpSpPr>
+      <p:grpSpPr>
+        <a:xfrm>
+          <a:off x="0" y="0"/>
+          <a:ext cx="0" cy="0"/>
+          <a:chOff x="0" y="0"/>
+          <a:chExt cx="0" cy="0"/>
+        </a:xfrm>
+      </p:grpSpPr>
+      <p:sp>
+        <p:nvSpPr>
+          <p:cNvPr id="2" name="Cím 1">
+            <a:extLst>
+              <a:ext uri="{FF2B5EF4-FFF2-40B4-BE49-F238E27FC236}">
+                <a16:creationId xmlns:a16="http://schemas.microsoft.com/office/drawing/2014/main" id="{584C5E7C-7386-4098-A7A8-86BD83A9F413}"/>
+              </a:ext>
+            </a:extLst>
+          </p:cNvPr>
+          <p:cNvSpPr>
+            <a:spLocks noGrp="1"/>
+          </p:cNvSpPr>
+          <p:nvPr>
+            <p:ph type="title"/>
+          </p:nvPr>
+        </p:nvSpPr>
+        <p:spPr/>
+        <p:txBody>
+          <a:bodyPr/>
+          <a:lstStyle/>
+          <a:p>
+            <a:r>
+              <a:rPr lang="hu-HU" dirty="0" err="1"/>
+              <a:t>Wireless</a:t>
+            </a:r>
+            <a:r>
+              <a:rPr lang="hu-HU" dirty="0"/>
+              <a:t> </a:t>
+            </a:r>
+            <a:r>
+              <a:rPr lang="hu-HU" dirty="0" err="1"/>
+              <a:t>devices</a:t>
+            </a:r>
+            <a:endParaRPr lang="hu-HU" dirty="0"/>
+          </a:p>
+        </p:txBody>
+      </p:sp>
+      <p:sp>
+        <p:nvSpPr>
+          <p:cNvPr id="3" name="Szöveg helye 2">
+            <a:extLst>
+              <a:ext uri="{FF2B5EF4-FFF2-40B4-BE49-F238E27FC236}">
+                <a16:creationId xmlns:a16="http://schemas.microsoft.com/office/drawing/2014/main" id="{F89CDC7D-EBFE-4ABE-A2B6-F462D33FF65F}"/>
+              </a:ext>
+            </a:extLst>
+          </p:cNvPr>
+          <p:cNvSpPr>
+            <a:spLocks noGrp="1"/>
+          </p:cNvSpPr>
+          <p:nvPr>
+            <p:ph type="body" idx="1"/>
+          </p:nvPr>
+        </p:nvSpPr>
+        <p:spPr/>
+        <p:txBody>
+          <a:bodyPr/>
+          <a:lstStyle/>
+          <a:p>
+            <a:endParaRPr lang="hu-HU"/>
+          </a:p>
+        </p:txBody>
+      </p:sp>
+      <p:pic>
+        <p:nvPicPr>
+          <p:cNvPr id="4" name="Kép 3">
+            <a:extLst>
+              <a:ext uri="{FF2B5EF4-FFF2-40B4-BE49-F238E27FC236}">
+                <a16:creationId xmlns:a16="http://schemas.microsoft.com/office/drawing/2014/main" id="{4DD293FD-6905-4BDF-85D6-02E7425F4810}"/>
+              </a:ext>
+            </a:extLst>
+          </p:cNvPr>
+          <p:cNvPicPr>
+            <a:picLocks noChangeAspect="1"/>
+          </p:cNvPicPr>
+          <p:nvPr/>
+        </p:nvPicPr>
+        <p:blipFill>
+          <a:blip r:embed="rId2"/>
+          <a:stretch>
+            <a:fillRect/>
+          </a:stretch>
+        </p:blipFill>
+        <p:spPr>
+          <a:xfrm>
+            <a:off x="3204462" y="1566315"/>
+            <a:ext cx="5783076" cy="4869958"/>
+          </a:xfrm>
+          <a:prstGeom prst="rect">
+            <a:avLst/>
+          </a:prstGeom>
+        </p:spPr>
+      </p:pic>
+    </p:spTree>
+    <p:extLst>
+      <p:ext uri="{BB962C8B-B14F-4D97-AF65-F5344CB8AC3E}">
+        <p14:creationId xmlns:p14="http://schemas.microsoft.com/office/powerpoint/2010/main" val="2272312725"/>
+      </p:ext>
+    </p:extLst>
+  </p:cSld>
+  <p:clrMapOvr>
+    <a:masterClrMapping/>
+  </p:clrMapOvr>
+</p:sld>
+</file>
+
+<file path=ppt/slides/slide33.xml><?xml version="1.0" encoding="utf-8"?>
+<p:sld xmlns:a="http://schemas.openxmlformats.org/drawingml/2006/main" xmlns:r="http://schemas.openxmlformats.org/officeDocument/2006/relationships" xmlns:p="http://schemas.openxmlformats.org/presentationml/2006/main">
+  <p:cSld>
+    <p:spTree>
+      <p:nvGrpSpPr>
+        <p:cNvPr id="1" name="Shape 139"/>
+        <p:cNvGrpSpPr/>
+        <p:nvPr/>
+      </p:nvGrpSpPr>
+      <p:grpSpPr>
+        <a:xfrm>
+          <a:off x="0" y="0"/>
+          <a:ext cx="0" cy="0"/>
+          <a:chOff x="0" y="0"/>
+          <a:chExt cx="0" cy="0"/>
+        </a:xfrm>
+      </p:grpSpPr>
+      <p:sp>
+        <p:nvSpPr>
+          <p:cNvPr id="140" name="Google Shape;140;g1b75b12e4ab_0_68"/>
+          <p:cNvSpPr txBox="1">
+            <a:spLocks noGrp="1"/>
+          </p:cNvSpPr>
+          <p:nvPr>
+            <p:ph type="ctrTitle"/>
+          </p:nvPr>
+        </p:nvSpPr>
+        <p:spPr>
+          <a:xfrm>
+            <a:off x="1524000" y="1122363"/>
+            <a:ext cx="9144000" cy="2387700"/>
+          </a:xfrm>
+          <a:prstGeom prst="rect">
+            <a:avLst/>
+          </a:prstGeom>
+        </p:spPr>
+        <p:txBody>
+          <a:bodyPr spcFirstLastPara="1" wrap="square" lIns="91425" tIns="45700" rIns="91425" bIns="45700" anchor="b" anchorCtr="0">
+            <a:normAutofit/>
+          </a:bodyPr>
+          <a:lstStyle/>
+          <a:p>
+            <a:pPr marL="0" lvl="0" indent="0" algn="ctr" rtl="0">
+              <a:spcBef>
+                <a:spcPts val="0"/>
+              </a:spcBef>
+              <a:spcAft>
+                <a:spcPts val="0"/>
+              </a:spcAft>
+              <a:buClr>
+                <a:schemeClr val="dk1"/>
+              </a:buClr>
+              <a:buSzPts val="6000"/>
+              <a:buFont typeface="Calibri"/>
+              <a:buNone/>
+            </a:pPr>
+            <a:r>
+              <a:rPr lang="hu-HU" dirty="0"/>
+              <a:t>I, K, S </a:t>
+            </a:r>
+            <a:r>
+              <a:rPr lang="en-US" dirty="0"/>
+              <a:t>and</a:t>
+            </a:r>
+            <a:r>
+              <a:rPr lang="hu-HU" dirty="0"/>
+              <a:t> O </a:t>
+            </a:r>
+            <a:r>
+              <a:rPr lang="hu-HU" dirty="0" err="1"/>
+              <a:t>network</a:t>
+            </a:r>
+            <a:endParaRPr dirty="0"/>
+          </a:p>
+        </p:txBody>
+      </p:sp>
+      <p:sp>
+        <p:nvSpPr>
+          <p:cNvPr id="141" name="Google Shape;141;g1b75b12e4ab_0_68"/>
+          <p:cNvSpPr txBox="1">
+            <a:spLocks noGrp="1"/>
+          </p:cNvSpPr>
+          <p:nvPr>
+            <p:ph type="subTitle" idx="1"/>
+          </p:nvPr>
+        </p:nvSpPr>
+        <p:spPr>
+          <a:xfrm>
+            <a:off x="1524000" y="3602038"/>
+            <a:ext cx="9144000" cy="1655700"/>
+          </a:xfrm>
+          <a:prstGeom prst="rect">
+            <a:avLst/>
+          </a:prstGeom>
+        </p:spPr>
+        <p:txBody>
+          <a:bodyPr spcFirstLastPara="1" wrap="square" lIns="91425" tIns="45700" rIns="91425" bIns="45700" anchor="t" anchorCtr="0">
+            <a:normAutofit/>
+          </a:bodyPr>
+          <a:lstStyle/>
+          <a:p>
+            <a:pPr marL="0" lvl="0" indent="0" algn="ctr" rtl="0">
+              <a:spcBef>
+                <a:spcPts val="1000"/>
+              </a:spcBef>
+              <a:spcAft>
+                <a:spcPts val="0"/>
+              </a:spcAft>
+              <a:buNone/>
+            </a:pPr>
+            <a:r>
+              <a:rPr lang="hu-HU"/>
+              <a:t>Ocskó Gábor</a:t>
+            </a:r>
+            <a:endParaRPr/>
+          </a:p>
+        </p:txBody>
+      </p:sp>
+    </p:spTree>
+  </p:cSld>
+  <p:clrMapOvr>
+    <a:masterClrMapping/>
+  </p:clrMapOvr>
+</p:sld>
+</file>
+
+<file path=ppt/slides/slide34.xml><?xml version="1.0" encoding="utf-8"?>
+<p:sld xmlns:a="http://schemas.openxmlformats.org/drawingml/2006/main" xmlns:r="http://schemas.openxmlformats.org/officeDocument/2006/relationships" xmlns:p="http://schemas.openxmlformats.org/presentationml/2006/main">
+  <p:cSld>
+    <p:spTree>
+      <p:nvGrpSpPr>
+        <p:cNvPr id="1" name="Shape 145"/>
+        <p:cNvGrpSpPr/>
+        <p:nvPr/>
+      </p:nvGrpSpPr>
+      <p:grpSpPr>
+        <a:xfrm>
+          <a:off x="0" y="0"/>
+          <a:ext cx="0" cy="0"/>
+          <a:chOff x="0" y="0"/>
+          <a:chExt cx="0" cy="0"/>
+        </a:xfrm>
+      </p:grpSpPr>
+      <p:sp>
+        <p:nvSpPr>
+          <p:cNvPr id="146" name="Google Shape;146;g1b75b12e4ab_0_73"/>
           <p:cNvSpPr txBox="1">
             <a:spLocks noGrp="1"/>
           </p:cNvSpPr>
@@ -18126,7 +18579,7 @@
             </a:pPr>
             <a:r>
               <a:rPr lang="hu-HU"/>
-              <a:t>gdszeged.net from the szeged pc</a:t>
+              <a:t>The topology</a:t>
             </a:r>
             <a:endParaRPr/>
           </a:p>
@@ -18134,7 +18587,7 @@
       </p:sp>
       <p:pic>
         <p:nvPicPr>
-          <p:cNvPr id="185" name="Google Shape;185;g1b75b12e4ab_0_111"/>
+          <p:cNvPr id="147" name="Google Shape;147;g1b75b12e4ab_0_73"/>
           <p:cNvPicPr preferRelativeResize="0"/>
           <p:nvPr/>
         </p:nvPicPr>
@@ -18147,8 +18600,8 @@
         </p:blipFill>
         <p:spPr>
           <a:xfrm>
-            <a:off x="3050499" y="1770255"/>
-            <a:ext cx="4492052" cy="4379294"/>
+            <a:off x="539647" y="1715700"/>
+            <a:ext cx="10669247" cy="4269798"/>
           </a:xfrm>
           <a:prstGeom prst="rect">
             <a:avLst/>
@@ -18167,12 +18620,12 @@
 </p:sld>
 </file>
 
-<file path=ppt/slides/slide31.xml><?xml version="1.0" encoding="utf-8"?>
+<file path=ppt/slides/slide35.xml><?xml version="1.0" encoding="utf-8"?>
 <p:sld xmlns:a="http://schemas.openxmlformats.org/drawingml/2006/main" xmlns:r="http://schemas.openxmlformats.org/officeDocument/2006/relationships" xmlns:p="http://schemas.openxmlformats.org/presentationml/2006/main">
   <p:cSld>
     <p:spTree>
       <p:nvGrpSpPr>
-        <p:cNvPr id="1" name="Shape 189"/>
+        <p:cNvPr id="1" name="Shape 151"/>
         <p:cNvGrpSpPr/>
         <p:nvPr/>
       </p:nvGrpSpPr>
@@ -18186,7 +18639,7 @@
       </p:grpSpPr>
       <p:sp>
         <p:nvSpPr>
-          <p:cNvPr id="190" name="Google Shape;190;g1b75b12e4ab_0_117"/>
+          <p:cNvPr id="152" name="Google Shape;152;g1b75b12e4ab_0_79"/>
           <p:cNvSpPr txBox="1">
             <a:spLocks noGrp="1"/>
           </p:cNvSpPr>
@@ -18220,7 +18673,7 @@
             </a:pPr>
             <a:r>
               <a:rPr lang="hu-HU"/>
-              <a:t>SSH and Telnet</a:t>
+              <a:t>What was the task?</a:t>
             </a:r>
             <a:endParaRPr/>
           </a:p>
@@ -18228,7 +18681,7 @@
       </p:sp>
       <p:sp>
         <p:nvSpPr>
-          <p:cNvPr id="191" name="Google Shape;191;g1b75b12e4ab_0_117"/>
+          <p:cNvPr id="153" name="Google Shape;153;g1b75b12e4ab_0_79"/>
           <p:cNvSpPr txBox="1">
             <a:spLocks noGrp="1"/>
           </p:cNvSpPr>
@@ -18251,25 +18704,17 @@
           </a:bodyPr>
           <a:lstStyle/>
           <a:p>
-            <a:pPr marL="0" marR="38100" lvl="0" indent="0" algn="l" rtl="0">
-              <a:lnSpc>
-                <a:spcPct val="128571"/>
-              </a:lnSpc>
-              <a:spcBef>
-                <a:spcPts val="0"/>
-              </a:spcBef>
-              <a:spcAft>
-                <a:spcPts val="0"/>
-              </a:spcAft>
-              <a:buClr>
-                <a:schemeClr val="dk1"/>
-              </a:buClr>
-              <a:buSzPts val="1100"/>
-              <a:buFont typeface="Arial"/>
+            <a:pPr marL="0" lvl="0" indent="0" algn="l" rtl="0">
+              <a:spcBef>
+                <a:spcPts val="1000"/>
+              </a:spcBef>
+              <a:spcAft>
+                <a:spcPts val="0"/>
+              </a:spcAft>
               <a:buNone/>
             </a:pPr>
             <a:r>
-              <a:rPr lang="hu-HU" sz="2700">
+              <a:rPr lang="hu-HU" sz="3000">
                 <a:solidFill>
                   <a:srgbClr val="202124"/>
                 </a:solidFill>
@@ -18281,9 +18726,9 @@
                 <a:cs typeface="Arial"/>
                 <a:sym typeface="Arial"/>
               </a:rPr>
-              <a:t>ssh also requires a user, but telnet only requires an ip address</a:t>
+              <a:t>-To set the ip addresses of R-SZOLNOK</a:t>
             </a:r>
-            <a:endParaRPr sz="2700">
+            <a:endParaRPr sz="3000">
               <a:solidFill>
                 <a:srgbClr val="202124"/>
               </a:solidFill>
@@ -18306,28 +18751,267 @@
               </a:spcAft>
               <a:buNone/>
             </a:pPr>
+            <a:r>
+              <a:rPr lang="hu-HU" sz="3000">
+                <a:solidFill>
+                  <a:srgbClr val="202124"/>
+                </a:solidFill>
+                <a:highlight>
+                  <a:srgbClr val="F8F9FA"/>
+                </a:highlight>
+                <a:latin typeface="Arial"/>
+                <a:ea typeface="Arial"/>
+                <a:cs typeface="Arial"/>
+                <a:sym typeface="Arial"/>
+              </a:rPr>
+              <a:t>-Set a password and set a message of the day</a:t>
+            </a:r>
+            <a:endParaRPr sz="3000">
+              <a:solidFill>
+                <a:srgbClr val="202124"/>
+              </a:solidFill>
+              <a:highlight>
+                <a:srgbClr val="F8F9FA"/>
+              </a:highlight>
+              <a:latin typeface="Arial"/>
+              <a:ea typeface="Arial"/>
+              <a:cs typeface="Arial"/>
+              <a:sym typeface="Arial"/>
+            </a:endParaRPr>
+          </a:p>
+          <a:p>
+            <a:pPr marL="0" marR="38100" lvl="0" indent="0" algn="l" rtl="0">
+              <a:lnSpc>
+                <a:spcPct val="128571"/>
+              </a:lnSpc>
+              <a:spcBef>
+                <a:spcPts val="0"/>
+              </a:spcBef>
+              <a:spcAft>
+                <a:spcPts val="0"/>
+              </a:spcAft>
+              <a:buClr>
+                <a:schemeClr val="dk1"/>
+              </a:buClr>
+              <a:buSzPts val="1100"/>
+              <a:buFont typeface="Arial"/>
+              <a:buNone/>
+            </a:pPr>
+            <a:r>
+              <a:rPr lang="hu-HU" sz="3000">
+                <a:solidFill>
+                  <a:srgbClr val="202124"/>
+                </a:solidFill>
+                <a:highlight>
+                  <a:srgbClr val="F8F9FA"/>
+                </a:highlight>
+                <a:latin typeface="Arial"/>
+                <a:ea typeface="Arial"/>
+                <a:cs typeface="Arial"/>
+                <a:sym typeface="Arial"/>
+              </a:rPr>
+              <a:t>-Save config to tftp server</a:t>
+            </a:r>
+            <a:endParaRPr sz="3000">
+              <a:solidFill>
+                <a:srgbClr val="202124"/>
+              </a:solidFill>
+              <a:highlight>
+                <a:srgbClr val="F8F9FA"/>
+              </a:highlight>
+              <a:latin typeface="Arial"/>
+              <a:ea typeface="Arial"/>
+              <a:cs typeface="Arial"/>
+              <a:sym typeface="Arial"/>
+            </a:endParaRPr>
+          </a:p>
+          <a:p>
+            <a:pPr marL="0" lvl="0" indent="0" algn="l" rtl="0">
+              <a:spcBef>
+                <a:spcPts val="1000"/>
+              </a:spcBef>
+              <a:spcAft>
+                <a:spcPts val="0"/>
+              </a:spcAft>
+              <a:buNone/>
+            </a:pPr>
+            <a:endParaRPr/>
+          </a:p>
+        </p:txBody>
+      </p:sp>
+    </p:spTree>
+  </p:cSld>
+  <p:clrMapOvr>
+    <a:masterClrMapping/>
+  </p:clrMapOvr>
+</p:sld>
+</file>
+
+<file path=ppt/slides/slide36.xml><?xml version="1.0" encoding="utf-8"?>
+<p:sld xmlns:a="http://schemas.openxmlformats.org/drawingml/2006/main" xmlns:r="http://schemas.openxmlformats.org/officeDocument/2006/relationships" xmlns:p="http://schemas.openxmlformats.org/presentationml/2006/main">
+  <p:cSld>
+    <p:spTree>
+      <p:nvGrpSpPr>
+        <p:cNvPr id="1" name="Shape 157"/>
+        <p:cNvGrpSpPr/>
+        <p:nvPr/>
+      </p:nvGrpSpPr>
+      <p:grpSpPr>
+        <a:xfrm>
+          <a:off x="0" y="0"/>
+          <a:ext cx="0" cy="0"/>
+          <a:chOff x="0" y="0"/>
+          <a:chExt cx="0" cy="0"/>
+        </a:xfrm>
+      </p:grpSpPr>
+      <p:sp>
+        <p:nvSpPr>
+          <p:cNvPr id="158" name="Google Shape;158;g1b75b12e4ab_0_85"/>
+          <p:cNvSpPr txBox="1">
+            <a:spLocks noGrp="1"/>
+          </p:cNvSpPr>
+          <p:nvPr>
+            <p:ph type="title"/>
+          </p:nvPr>
+        </p:nvSpPr>
+        <p:spPr>
+          <a:xfrm>
+            <a:off x="838200" y="365125"/>
+            <a:ext cx="10515600" cy="1325700"/>
+          </a:xfrm>
+          <a:prstGeom prst="rect">
+            <a:avLst/>
+          </a:prstGeom>
+        </p:spPr>
+        <p:txBody>
+          <a:bodyPr spcFirstLastPara="1" wrap="square" lIns="91425" tIns="45700" rIns="91425" bIns="45700" anchor="ctr" anchorCtr="0">
+            <a:normAutofit/>
+          </a:bodyPr>
+          <a:lstStyle/>
+          <a:p>
+            <a:pPr marL="0" lvl="0" indent="0" algn="l" rtl="0">
+              <a:spcBef>
+                <a:spcPts val="0"/>
+              </a:spcBef>
+              <a:spcAft>
+                <a:spcPts val="0"/>
+              </a:spcAft>
+              <a:buClr>
+                <a:schemeClr val="dk1"/>
+              </a:buClr>
+              <a:buSzPts val="1800"/>
+              <a:buFont typeface="Arial"/>
+              <a:buNone/>
+            </a:pPr>
+            <a:r>
+              <a:rPr lang="hu-HU"/>
+              <a:t>R-SZOLNOK</a:t>
+            </a:r>
+            <a:endParaRPr/>
+          </a:p>
+        </p:txBody>
+      </p:sp>
+      <p:sp>
+        <p:nvSpPr>
+          <p:cNvPr id="159" name="Google Shape;159;g1b75b12e4ab_0_85"/>
+          <p:cNvSpPr txBox="1">
+            <a:spLocks noGrp="1"/>
+          </p:cNvSpPr>
+          <p:nvPr>
+            <p:ph type="body" idx="1"/>
+          </p:nvPr>
+        </p:nvSpPr>
+        <p:spPr>
+          <a:xfrm>
+            <a:off x="838200" y="1825625"/>
+            <a:ext cx="10515600" cy="4351200"/>
+          </a:xfrm>
+          <a:prstGeom prst="rect">
+            <a:avLst/>
+          </a:prstGeom>
+        </p:spPr>
+        <p:txBody>
+          <a:bodyPr spcFirstLastPara="1" wrap="square" lIns="91425" tIns="45700" rIns="91425" bIns="45700" anchor="t" anchorCtr="0">
+            <a:normAutofit/>
+          </a:bodyPr>
+          <a:lstStyle/>
+          <a:p>
+            <a:pPr marL="0" marR="38100" lvl="0" indent="0" algn="l" rtl="0">
+              <a:lnSpc>
+                <a:spcPct val="128571"/>
+              </a:lnSpc>
+              <a:spcBef>
+                <a:spcPts val="0"/>
+              </a:spcBef>
+              <a:spcAft>
+                <a:spcPts val="0"/>
+              </a:spcAft>
+              <a:buClr>
+                <a:schemeClr val="dk1"/>
+              </a:buClr>
+              <a:buSzPts val="1100"/>
+              <a:buFont typeface="Arial"/>
+              <a:buNone/>
+            </a:pPr>
+            <a:r>
+              <a:rPr lang="hu-HU" sz="2600">
+                <a:solidFill>
+                  <a:srgbClr val="202124"/>
+                </a:solidFill>
+                <a:highlight>
+                  <a:srgbClr val="F8F9FA"/>
+                </a:highlight>
+                <a:latin typeface="Arial"/>
+                <a:ea typeface="Arial"/>
+                <a:cs typeface="Arial"/>
+                <a:sym typeface="Arial"/>
+              </a:rPr>
+              <a:t>To set the ip address and the other stuff listed, you needed these:</a:t>
+            </a:r>
+            <a:endParaRPr sz="2600">
+              <a:solidFill>
+                <a:srgbClr val="202124"/>
+              </a:solidFill>
+              <a:highlight>
+                <a:srgbClr val="F8F9FA"/>
+              </a:highlight>
+              <a:latin typeface="Arial"/>
+              <a:ea typeface="Arial"/>
+              <a:cs typeface="Arial"/>
+              <a:sym typeface="Arial"/>
+            </a:endParaRPr>
+          </a:p>
+          <a:p>
+            <a:pPr marL="0" lvl="0" indent="0" algn="l" rtl="0">
+              <a:spcBef>
+                <a:spcPts val="1000"/>
+              </a:spcBef>
+              <a:spcAft>
+                <a:spcPts val="0"/>
+              </a:spcAft>
+              <a:buNone/>
+            </a:pPr>
             <a:endParaRPr/>
           </a:p>
         </p:txBody>
       </p:sp>
       <p:pic>
         <p:nvPicPr>
-          <p:cNvPr id="192" name="Google Shape;192;g1b75b12e4ab_0_117"/>
+          <p:cNvPr id="160" name="Google Shape;160;g1b75b12e4ab_0_85" descr="A képen szöveg látható&#10;&#10;Automatikusan generált leírás"/>
           <p:cNvPicPr preferRelativeResize="0"/>
           <p:nvPr/>
         </p:nvPicPr>
-        <p:blipFill>
+        <p:blipFill rotWithShape="1">
           <a:blip r:embed="rId3">
             <a:alphaModFix/>
           </a:blip>
-          <a:stretch>
-            <a:fillRect/>
-          </a:stretch>
+          <a:srcRect/>
+          <a:stretch/>
         </p:blipFill>
         <p:spPr>
           <a:xfrm>
-            <a:off x="0" y="2301784"/>
-            <a:ext cx="12192002" cy="4759983"/>
+            <a:off x="3741842" y="2570813"/>
+            <a:ext cx="4770775" cy="3615127"/>
           </a:xfrm>
           <a:prstGeom prst="rect">
             <a:avLst/>
@@ -18346,12 +19030,12 @@
 </p:sld>
 </file>
 
-<file path=ppt/slides/slide32.xml><?xml version="1.0" encoding="utf-8"?>
+<file path=ppt/slides/slide37.xml><?xml version="1.0" encoding="utf-8"?>
 <p:sld xmlns:a="http://schemas.openxmlformats.org/drawingml/2006/main" xmlns:r="http://schemas.openxmlformats.org/officeDocument/2006/relationships" xmlns:p="http://schemas.openxmlformats.org/presentationml/2006/main">
   <p:cSld>
     <p:spTree>
       <p:nvGrpSpPr>
-        <p:cNvPr id="1" name="Shape 196"/>
+        <p:cNvPr id="1" name="Shape 164"/>
         <p:cNvGrpSpPr/>
         <p:nvPr/>
       </p:nvGrpSpPr>
@@ -18365,7 +19049,7 @@
       </p:grpSpPr>
       <p:sp>
         <p:nvSpPr>
-          <p:cNvPr id="197" name="Google Shape;197;g1b75b12e4ab_0_124"/>
+          <p:cNvPr id="165" name="Google Shape;165;g1b75b12e4ab_0_92"/>
           <p:cNvSpPr txBox="1">
             <a:spLocks noGrp="1"/>
           </p:cNvSpPr>
@@ -18375,7 +19059,7 @@
         </p:nvSpPr>
         <p:spPr>
           <a:xfrm>
-            <a:off x="1524000" y="1122363"/>
+            <a:off x="1445550" y="828163"/>
             <a:ext cx="9144000" cy="2387700"/>
           </a:xfrm>
           <a:prstGeom prst="rect">
@@ -18388,7 +19072,10 @@
           </a:bodyPr>
           <a:lstStyle/>
           <a:p>
-            <a:pPr marL="0" lvl="0" indent="0" algn="ctr" rtl="0">
+            <a:pPr marL="0" marR="38100" lvl="0" indent="0" algn="ctr" rtl="0">
+              <a:lnSpc>
+                <a:spcPct val="128571"/>
+              </a:lnSpc>
               <a:spcBef>
                 <a:spcPts val="0"/>
               </a:spcBef>
@@ -18398,17 +19085,478 @@
               <a:buNone/>
             </a:pPr>
             <a:r>
-              <a:rPr lang="hu-HU" dirty="0"/>
-              <a:t>Thank</a:t>
+              <a:rPr lang="hu-HU" sz="3400">
+                <a:solidFill>
+                  <a:srgbClr val="202124"/>
+                </a:solidFill>
+                <a:highlight>
+                  <a:srgbClr val="F8F9FA"/>
+                </a:highlight>
+                <a:latin typeface="Arial"/>
+                <a:ea typeface="Arial"/>
+                <a:cs typeface="Arial"/>
+                <a:sym typeface="Arial"/>
+              </a:rPr>
+              <a:t>Checking the network</a:t>
             </a:r>
-            <a:r>
-              <a:rPr lang="en-GB" dirty="0"/>
-              <a:t> you for watching!</a:t>
-            </a:r>
-            <a:endParaRPr dirty="0"/>
+            <a:endParaRPr sz="7300"/>
           </a:p>
         </p:txBody>
       </p:sp>
+      <p:sp>
+        <p:nvSpPr>
+          <p:cNvPr id="166" name="Google Shape;166;g1b75b12e4ab_0_92"/>
+          <p:cNvSpPr txBox="1">
+            <a:spLocks noGrp="1"/>
+          </p:cNvSpPr>
+          <p:nvPr>
+            <p:ph type="subTitle" idx="1"/>
+          </p:nvPr>
+        </p:nvSpPr>
+        <p:spPr>
+          <a:xfrm>
+            <a:off x="1524000" y="3602038"/>
+            <a:ext cx="9144000" cy="1655700"/>
+          </a:xfrm>
+          <a:prstGeom prst="rect">
+            <a:avLst/>
+          </a:prstGeom>
+        </p:spPr>
+        <p:txBody>
+          <a:bodyPr spcFirstLastPara="1" wrap="square" lIns="91425" tIns="45700" rIns="91425" bIns="45700" anchor="t" anchorCtr="0">
+            <a:normAutofit/>
+          </a:bodyPr>
+          <a:lstStyle/>
+          <a:p>
+            <a:pPr marL="0" lvl="0" indent="0" algn="ctr" rtl="0">
+              <a:spcBef>
+                <a:spcPts val="1000"/>
+              </a:spcBef>
+              <a:spcAft>
+                <a:spcPts val="0"/>
+              </a:spcAft>
+              <a:buNone/>
+            </a:pPr>
+            <a:r>
+              <a:rPr lang="hu-HU"/>
+              <a:t>P A I N</a:t>
+            </a:r>
+            <a:endParaRPr/>
+          </a:p>
+        </p:txBody>
+      </p:sp>
+    </p:spTree>
+  </p:cSld>
+  <p:clrMapOvr>
+    <a:masterClrMapping/>
+  </p:clrMapOvr>
+</p:sld>
+</file>
+
+<file path=ppt/slides/slide38.xml><?xml version="1.0" encoding="utf-8"?>
+<p:sld xmlns:a="http://schemas.openxmlformats.org/drawingml/2006/main" xmlns:r="http://schemas.openxmlformats.org/officeDocument/2006/relationships" xmlns:p="http://schemas.openxmlformats.org/presentationml/2006/main">
+  <p:cSld>
+    <p:spTree>
+      <p:nvGrpSpPr>
+        <p:cNvPr id="1" name="Shape 170"/>
+        <p:cNvGrpSpPr/>
+        <p:nvPr/>
+      </p:nvGrpSpPr>
+      <p:grpSpPr>
+        <a:xfrm>
+          <a:off x="0" y="0"/>
+          <a:ext cx="0" cy="0"/>
+          <a:chOff x="0" y="0"/>
+          <a:chExt cx="0" cy="0"/>
+        </a:xfrm>
+      </p:grpSpPr>
+      <p:sp>
+        <p:nvSpPr>
+          <p:cNvPr id="171" name="Google Shape;171;g1b75b12e4ab_0_98"/>
+          <p:cNvSpPr txBox="1">
+            <a:spLocks noGrp="1"/>
+          </p:cNvSpPr>
+          <p:nvPr>
+            <p:ph type="title"/>
+          </p:nvPr>
+        </p:nvSpPr>
+        <p:spPr>
+          <a:xfrm>
+            <a:off x="838200" y="365125"/>
+            <a:ext cx="10515600" cy="1325700"/>
+          </a:xfrm>
+          <a:prstGeom prst="rect">
+            <a:avLst/>
+          </a:prstGeom>
+        </p:spPr>
+        <p:txBody>
+          <a:bodyPr spcFirstLastPara="1" wrap="square" lIns="91425" tIns="45700" rIns="91425" bIns="45700" anchor="ctr" anchorCtr="0">
+            <a:normAutofit/>
+          </a:bodyPr>
+          <a:lstStyle/>
+          <a:p>
+            <a:pPr marL="0" lvl="0" indent="0" algn="l" rtl="0">
+              <a:spcBef>
+                <a:spcPts val="0"/>
+              </a:spcBef>
+              <a:spcAft>
+                <a:spcPts val="0"/>
+              </a:spcAft>
+              <a:buNone/>
+            </a:pPr>
+            <a:r>
+              <a:rPr lang="hu-HU"/>
+              <a:t>What was the task?</a:t>
+            </a:r>
+            <a:endParaRPr/>
+          </a:p>
+        </p:txBody>
+      </p:sp>
+      <p:sp>
+        <p:nvSpPr>
+          <p:cNvPr id="172" name="Google Shape;172;g1b75b12e4ab_0_98"/>
+          <p:cNvSpPr txBox="1">
+            <a:spLocks noGrp="1"/>
+          </p:cNvSpPr>
+          <p:nvPr>
+            <p:ph type="body" idx="1"/>
+          </p:nvPr>
+        </p:nvSpPr>
+        <p:spPr>
+          <a:xfrm>
+            <a:off x="838200" y="1825625"/>
+            <a:ext cx="10515600" cy="4351200"/>
+          </a:xfrm>
+          <a:prstGeom prst="rect">
+            <a:avLst/>
+          </a:prstGeom>
+        </p:spPr>
+        <p:txBody>
+          <a:bodyPr spcFirstLastPara="1" wrap="square" lIns="91425" tIns="45700" rIns="91425" bIns="45700" anchor="t" anchorCtr="0">
+            <a:normAutofit/>
+          </a:bodyPr>
+          <a:lstStyle/>
+          <a:p>
+            <a:pPr marL="0" lvl="0" indent="0" algn="l" rtl="0">
+              <a:spcBef>
+                <a:spcPts val="1000"/>
+              </a:spcBef>
+              <a:spcAft>
+                <a:spcPts val="0"/>
+              </a:spcAft>
+              <a:buNone/>
+            </a:pPr>
+            <a:r>
+              <a:rPr lang="hu-HU" sz="4200">
+                <a:solidFill>
+                  <a:srgbClr val="202124"/>
+                </a:solidFill>
+                <a:highlight>
+                  <a:srgbClr val="F8F9FA"/>
+                </a:highlight>
+                <a:latin typeface="Arial"/>
+                <a:ea typeface="Arial"/>
+                <a:cs typeface="Arial"/>
+                <a:sym typeface="Arial"/>
+              </a:rPr>
+              <a:t>-Check with the courier</a:t>
+            </a:r>
+            <a:endParaRPr sz="4200">
+              <a:solidFill>
+                <a:srgbClr val="202124"/>
+              </a:solidFill>
+              <a:highlight>
+                <a:srgbClr val="F8F9FA"/>
+              </a:highlight>
+              <a:latin typeface="Arial"/>
+              <a:ea typeface="Arial"/>
+              <a:cs typeface="Arial"/>
+              <a:sym typeface="Arial"/>
+            </a:endParaRPr>
+          </a:p>
+          <a:p>
+            <a:pPr marL="0" lvl="0" indent="0" algn="l" rtl="0">
+              <a:spcBef>
+                <a:spcPts val="1000"/>
+              </a:spcBef>
+              <a:spcAft>
+                <a:spcPts val="0"/>
+              </a:spcAft>
+              <a:buNone/>
+            </a:pPr>
+            <a:r>
+              <a:rPr lang="hu-HU" sz="4200">
+                <a:solidFill>
+                  <a:srgbClr val="202124"/>
+                </a:solidFill>
+                <a:highlight>
+                  <a:srgbClr val="F8F9FA"/>
+                </a:highlight>
+                <a:latin typeface="Arial"/>
+                <a:ea typeface="Arial"/>
+                <a:cs typeface="Arial"/>
+                <a:sym typeface="Arial"/>
+              </a:rPr>
+              <a:t>-To ping</a:t>
+            </a:r>
+            <a:endParaRPr sz="4200">
+              <a:solidFill>
+                <a:srgbClr val="202124"/>
+              </a:solidFill>
+              <a:highlight>
+                <a:srgbClr val="F8F9FA"/>
+              </a:highlight>
+              <a:latin typeface="Arial"/>
+              <a:ea typeface="Arial"/>
+              <a:cs typeface="Arial"/>
+              <a:sym typeface="Arial"/>
+            </a:endParaRPr>
+          </a:p>
+          <a:p>
+            <a:pPr marL="0" lvl="0" indent="0" algn="l" rtl="0">
+              <a:spcBef>
+                <a:spcPts val="1000"/>
+              </a:spcBef>
+              <a:spcAft>
+                <a:spcPts val="0"/>
+              </a:spcAft>
+              <a:buNone/>
+            </a:pPr>
+            <a:r>
+              <a:rPr lang="hu-HU" sz="4200">
+                <a:solidFill>
+                  <a:srgbClr val="202124"/>
+                </a:solidFill>
+                <a:highlight>
+                  <a:srgbClr val="F8F9FA"/>
+                </a:highlight>
+                <a:latin typeface="Arial"/>
+                <a:ea typeface="Arial"/>
+                <a:cs typeface="Arial"/>
+                <a:sym typeface="Arial"/>
+              </a:rPr>
+              <a:t>-Is the Gdprojekt.net page available?</a:t>
+            </a:r>
+            <a:endParaRPr sz="4200">
+              <a:solidFill>
+                <a:srgbClr val="202124"/>
+              </a:solidFill>
+              <a:highlight>
+                <a:srgbClr val="F8F9FA"/>
+              </a:highlight>
+              <a:latin typeface="Arial"/>
+              <a:ea typeface="Arial"/>
+              <a:cs typeface="Arial"/>
+              <a:sym typeface="Arial"/>
+            </a:endParaRPr>
+          </a:p>
+          <a:p>
+            <a:pPr marL="0" marR="38100" lvl="0" indent="0" algn="l" rtl="0">
+              <a:lnSpc>
+                <a:spcPct val="128571"/>
+              </a:lnSpc>
+              <a:spcBef>
+                <a:spcPts val="0"/>
+              </a:spcBef>
+              <a:spcAft>
+                <a:spcPts val="0"/>
+              </a:spcAft>
+              <a:buClr>
+                <a:schemeClr val="dk1"/>
+              </a:buClr>
+              <a:buSzPts val="1100"/>
+              <a:buFont typeface="Arial"/>
+              <a:buNone/>
+            </a:pPr>
+            <a:r>
+              <a:rPr lang="hu-HU" sz="4200">
+                <a:solidFill>
+                  <a:srgbClr val="202124"/>
+                </a:solidFill>
+                <a:highlight>
+                  <a:srgbClr val="F8F9FA"/>
+                </a:highlight>
+                <a:latin typeface="Arial"/>
+                <a:ea typeface="Arial"/>
+                <a:cs typeface="Arial"/>
+                <a:sym typeface="Arial"/>
+              </a:rPr>
+              <a:t>-Ssh and telnet</a:t>
+            </a:r>
+            <a:endParaRPr sz="4200">
+              <a:solidFill>
+                <a:srgbClr val="202124"/>
+              </a:solidFill>
+              <a:highlight>
+                <a:srgbClr val="F8F9FA"/>
+              </a:highlight>
+              <a:latin typeface="Arial"/>
+              <a:ea typeface="Arial"/>
+              <a:cs typeface="Arial"/>
+              <a:sym typeface="Arial"/>
+            </a:endParaRPr>
+          </a:p>
+          <a:p>
+            <a:pPr marL="0" lvl="0" indent="0" algn="l" rtl="0">
+              <a:spcBef>
+                <a:spcPts val="1000"/>
+              </a:spcBef>
+              <a:spcAft>
+                <a:spcPts val="0"/>
+              </a:spcAft>
+              <a:buNone/>
+            </a:pPr>
+            <a:endParaRPr/>
+          </a:p>
+        </p:txBody>
+      </p:sp>
+    </p:spTree>
+  </p:cSld>
+  <p:clrMapOvr>
+    <a:masterClrMapping/>
+  </p:clrMapOvr>
+</p:sld>
+</file>
+
+<file path=ppt/slides/slide39.xml><?xml version="1.0" encoding="utf-8"?>
+<p:sld xmlns:a="http://schemas.openxmlformats.org/drawingml/2006/main" xmlns:r="http://schemas.openxmlformats.org/officeDocument/2006/relationships" xmlns:p="http://schemas.openxmlformats.org/presentationml/2006/main">
+  <p:cSld>
+    <p:spTree>
+      <p:nvGrpSpPr>
+        <p:cNvPr id="1" name="Shape 176"/>
+        <p:cNvGrpSpPr/>
+        <p:nvPr/>
+      </p:nvGrpSpPr>
+      <p:grpSpPr>
+        <a:xfrm>
+          <a:off x="0" y="0"/>
+          <a:ext cx="0" cy="0"/>
+          <a:chOff x="0" y="0"/>
+          <a:chExt cx="0" cy="0"/>
+        </a:xfrm>
+      </p:grpSpPr>
+      <p:sp>
+        <p:nvSpPr>
+          <p:cNvPr id="177" name="Google Shape;177;g1b75b12e4ab_0_104"/>
+          <p:cNvSpPr txBox="1">
+            <a:spLocks noGrp="1"/>
+          </p:cNvSpPr>
+          <p:nvPr>
+            <p:ph type="title"/>
+          </p:nvPr>
+        </p:nvSpPr>
+        <p:spPr>
+          <a:xfrm>
+            <a:off x="838200" y="365125"/>
+            <a:ext cx="10515600" cy="1325700"/>
+          </a:xfrm>
+          <a:prstGeom prst="rect">
+            <a:avLst/>
+          </a:prstGeom>
+        </p:spPr>
+        <p:txBody>
+          <a:bodyPr spcFirstLastPara="1" wrap="square" lIns="91425" tIns="45700" rIns="91425" bIns="45700" anchor="ctr" anchorCtr="0">
+            <a:normAutofit/>
+          </a:bodyPr>
+          <a:lstStyle/>
+          <a:p>
+            <a:pPr marL="0" marR="38100" lvl="0" indent="0" algn="l" rtl="0">
+              <a:lnSpc>
+                <a:spcPct val="128571"/>
+              </a:lnSpc>
+              <a:spcBef>
+                <a:spcPts val="0"/>
+              </a:spcBef>
+              <a:spcAft>
+                <a:spcPts val="0"/>
+              </a:spcAft>
+              <a:buNone/>
+            </a:pPr>
+            <a:r>
+              <a:rPr lang="hu-HU" sz="4300">
+                <a:solidFill>
+                  <a:srgbClr val="202124"/>
+                </a:solidFill>
+                <a:highlight>
+                  <a:srgbClr val="F8F9FA"/>
+                </a:highlight>
+                <a:latin typeface="Arial"/>
+                <a:ea typeface="Arial"/>
+                <a:cs typeface="Arial"/>
+                <a:sym typeface="Arial"/>
+              </a:rPr>
+              <a:t>Mail and ping</a:t>
+            </a:r>
+            <a:endParaRPr sz="6600"/>
+          </a:p>
+        </p:txBody>
+      </p:sp>
+      <p:sp>
+        <p:nvSpPr>
+          <p:cNvPr id="178" name="Google Shape;178;g1b75b12e4ab_0_104"/>
+          <p:cNvSpPr txBox="1">
+            <a:spLocks noGrp="1"/>
+          </p:cNvSpPr>
+          <p:nvPr>
+            <p:ph type="body" idx="1"/>
+          </p:nvPr>
+        </p:nvSpPr>
+        <p:spPr>
+          <a:xfrm>
+            <a:off x="838200" y="1825625"/>
+            <a:ext cx="10515600" cy="4351200"/>
+          </a:xfrm>
+          <a:prstGeom prst="rect">
+            <a:avLst/>
+          </a:prstGeom>
+        </p:spPr>
+        <p:txBody>
+          <a:bodyPr spcFirstLastPara="1" wrap="square" lIns="91425" tIns="45700" rIns="91425" bIns="45700" anchor="t" anchorCtr="0">
+            <a:normAutofit/>
+          </a:bodyPr>
+          <a:lstStyle/>
+          <a:p>
+            <a:pPr marL="0" lvl="0" indent="0" algn="l" rtl="0">
+              <a:spcBef>
+                <a:spcPts val="1000"/>
+              </a:spcBef>
+              <a:spcAft>
+                <a:spcPts val="0"/>
+              </a:spcAft>
+              <a:buNone/>
+            </a:pPr>
+            <a:endParaRPr/>
+          </a:p>
+        </p:txBody>
+      </p:sp>
+      <p:pic>
+        <p:nvPicPr>
+          <p:cNvPr id="179" name="Google Shape;179;g1b75b12e4ab_0_104"/>
+          <p:cNvPicPr preferRelativeResize="0"/>
+          <p:nvPr/>
+        </p:nvPicPr>
+        <p:blipFill>
+          <a:blip r:embed="rId3">
+            <a:alphaModFix/>
+          </a:blip>
+          <a:stretch>
+            <a:fillRect/>
+          </a:stretch>
+        </p:blipFill>
+        <p:spPr>
+          <a:xfrm>
+            <a:off x="0" y="1381100"/>
+            <a:ext cx="12192002" cy="5476901"/>
+          </a:xfrm>
+          <a:prstGeom prst="rect">
+            <a:avLst/>
+          </a:prstGeom>
+          <a:noFill/>
+          <a:ln>
+            <a:noFill/>
+          </a:ln>
+        </p:spPr>
+      </p:pic>
     </p:spTree>
   </p:cSld>
   <p:clrMapOvr>
@@ -18723,6 +19871,350 @@
               <a:buNone/>
             </a:pPr>
             <a:endParaRPr/>
+          </a:p>
+        </p:txBody>
+      </p:sp>
+    </p:spTree>
+  </p:cSld>
+  <p:clrMapOvr>
+    <a:masterClrMapping/>
+  </p:clrMapOvr>
+</p:sld>
+</file>
+
+<file path=ppt/slides/slide40.xml><?xml version="1.0" encoding="utf-8"?>
+<p:sld xmlns:a="http://schemas.openxmlformats.org/drawingml/2006/main" xmlns:r="http://schemas.openxmlformats.org/officeDocument/2006/relationships" xmlns:p="http://schemas.openxmlformats.org/presentationml/2006/main">
+  <p:cSld>
+    <p:spTree>
+      <p:nvGrpSpPr>
+        <p:cNvPr id="1" name="Shape 183"/>
+        <p:cNvGrpSpPr/>
+        <p:nvPr/>
+      </p:nvGrpSpPr>
+      <p:grpSpPr>
+        <a:xfrm>
+          <a:off x="0" y="0"/>
+          <a:ext cx="0" cy="0"/>
+          <a:chOff x="0" y="0"/>
+          <a:chExt cx="0" cy="0"/>
+        </a:xfrm>
+      </p:grpSpPr>
+      <p:sp>
+        <p:nvSpPr>
+          <p:cNvPr id="184" name="Google Shape;184;g1b75b12e4ab_0_111"/>
+          <p:cNvSpPr txBox="1">
+            <a:spLocks noGrp="1"/>
+          </p:cNvSpPr>
+          <p:nvPr>
+            <p:ph type="title"/>
+          </p:nvPr>
+        </p:nvSpPr>
+        <p:spPr>
+          <a:xfrm>
+            <a:off x="838200" y="365125"/>
+            <a:ext cx="10515600" cy="1325700"/>
+          </a:xfrm>
+          <a:prstGeom prst="rect">
+            <a:avLst/>
+          </a:prstGeom>
+        </p:spPr>
+        <p:txBody>
+          <a:bodyPr spcFirstLastPara="1" wrap="square" lIns="91425" tIns="45700" rIns="91425" bIns="45700" anchor="ctr" anchorCtr="0">
+            <a:normAutofit/>
+          </a:bodyPr>
+          <a:lstStyle/>
+          <a:p>
+            <a:pPr marL="0" lvl="0" indent="0" algn="l" rtl="0">
+              <a:spcBef>
+                <a:spcPts val="0"/>
+              </a:spcBef>
+              <a:spcAft>
+                <a:spcPts val="0"/>
+              </a:spcAft>
+              <a:buNone/>
+            </a:pPr>
+            <a:r>
+              <a:rPr lang="hu-HU"/>
+              <a:t>gdszeged.net from the szeged pc</a:t>
+            </a:r>
+            <a:endParaRPr/>
+          </a:p>
+        </p:txBody>
+      </p:sp>
+      <p:pic>
+        <p:nvPicPr>
+          <p:cNvPr id="185" name="Google Shape;185;g1b75b12e4ab_0_111"/>
+          <p:cNvPicPr preferRelativeResize="0"/>
+          <p:nvPr/>
+        </p:nvPicPr>
+        <p:blipFill rotWithShape="1">
+          <a:blip r:embed="rId3">
+            <a:alphaModFix/>
+          </a:blip>
+          <a:srcRect/>
+          <a:stretch/>
+        </p:blipFill>
+        <p:spPr>
+          <a:xfrm>
+            <a:off x="3050499" y="1770255"/>
+            <a:ext cx="4492052" cy="4379294"/>
+          </a:xfrm>
+          <a:prstGeom prst="rect">
+            <a:avLst/>
+          </a:prstGeom>
+          <a:noFill/>
+          <a:ln>
+            <a:noFill/>
+          </a:ln>
+        </p:spPr>
+      </p:pic>
+    </p:spTree>
+  </p:cSld>
+  <p:clrMapOvr>
+    <a:masterClrMapping/>
+  </p:clrMapOvr>
+</p:sld>
+</file>
+
+<file path=ppt/slides/slide41.xml><?xml version="1.0" encoding="utf-8"?>
+<p:sld xmlns:a="http://schemas.openxmlformats.org/drawingml/2006/main" xmlns:r="http://schemas.openxmlformats.org/officeDocument/2006/relationships" xmlns:p="http://schemas.openxmlformats.org/presentationml/2006/main">
+  <p:cSld>
+    <p:spTree>
+      <p:nvGrpSpPr>
+        <p:cNvPr id="1" name="Shape 189"/>
+        <p:cNvGrpSpPr/>
+        <p:nvPr/>
+      </p:nvGrpSpPr>
+      <p:grpSpPr>
+        <a:xfrm>
+          <a:off x="0" y="0"/>
+          <a:ext cx="0" cy="0"/>
+          <a:chOff x="0" y="0"/>
+          <a:chExt cx="0" cy="0"/>
+        </a:xfrm>
+      </p:grpSpPr>
+      <p:sp>
+        <p:nvSpPr>
+          <p:cNvPr id="190" name="Google Shape;190;g1b75b12e4ab_0_117"/>
+          <p:cNvSpPr txBox="1">
+            <a:spLocks noGrp="1"/>
+          </p:cNvSpPr>
+          <p:nvPr>
+            <p:ph type="title"/>
+          </p:nvPr>
+        </p:nvSpPr>
+        <p:spPr>
+          <a:xfrm>
+            <a:off x="838200" y="365125"/>
+            <a:ext cx="10515600" cy="1325700"/>
+          </a:xfrm>
+          <a:prstGeom prst="rect">
+            <a:avLst/>
+          </a:prstGeom>
+        </p:spPr>
+        <p:txBody>
+          <a:bodyPr spcFirstLastPara="1" wrap="square" lIns="91425" tIns="45700" rIns="91425" bIns="45700" anchor="ctr" anchorCtr="0">
+            <a:normAutofit/>
+          </a:bodyPr>
+          <a:lstStyle/>
+          <a:p>
+            <a:pPr marL="0" lvl="0" indent="0" algn="l" rtl="0">
+              <a:spcBef>
+                <a:spcPts val="0"/>
+              </a:spcBef>
+              <a:spcAft>
+                <a:spcPts val="0"/>
+              </a:spcAft>
+              <a:buNone/>
+            </a:pPr>
+            <a:r>
+              <a:rPr lang="hu-HU"/>
+              <a:t>SSH and Telnet</a:t>
+            </a:r>
+            <a:endParaRPr/>
+          </a:p>
+        </p:txBody>
+      </p:sp>
+      <p:sp>
+        <p:nvSpPr>
+          <p:cNvPr id="191" name="Google Shape;191;g1b75b12e4ab_0_117"/>
+          <p:cNvSpPr txBox="1">
+            <a:spLocks noGrp="1"/>
+          </p:cNvSpPr>
+          <p:nvPr>
+            <p:ph type="body" idx="1"/>
+          </p:nvPr>
+        </p:nvSpPr>
+        <p:spPr>
+          <a:xfrm>
+            <a:off x="838200" y="1825625"/>
+            <a:ext cx="10515600" cy="4351200"/>
+          </a:xfrm>
+          <a:prstGeom prst="rect">
+            <a:avLst/>
+          </a:prstGeom>
+        </p:spPr>
+        <p:txBody>
+          <a:bodyPr spcFirstLastPara="1" wrap="square" lIns="91425" tIns="45700" rIns="91425" bIns="45700" anchor="t" anchorCtr="0">
+            <a:normAutofit/>
+          </a:bodyPr>
+          <a:lstStyle/>
+          <a:p>
+            <a:pPr marL="0" marR="38100" lvl="0" indent="0" algn="l" rtl="0">
+              <a:lnSpc>
+                <a:spcPct val="128571"/>
+              </a:lnSpc>
+              <a:spcBef>
+                <a:spcPts val="0"/>
+              </a:spcBef>
+              <a:spcAft>
+                <a:spcPts val="0"/>
+              </a:spcAft>
+              <a:buClr>
+                <a:schemeClr val="dk1"/>
+              </a:buClr>
+              <a:buSzPts val="1100"/>
+              <a:buFont typeface="Arial"/>
+              <a:buNone/>
+            </a:pPr>
+            <a:r>
+              <a:rPr lang="hu-HU" sz="2700">
+                <a:solidFill>
+                  <a:srgbClr val="202124"/>
+                </a:solidFill>
+                <a:highlight>
+                  <a:srgbClr val="F8F9FA"/>
+                </a:highlight>
+                <a:latin typeface="Arial"/>
+                <a:ea typeface="Arial"/>
+                <a:cs typeface="Arial"/>
+                <a:sym typeface="Arial"/>
+              </a:rPr>
+              <a:t>ssh also requires a user, but telnet only requires an ip address</a:t>
+            </a:r>
+            <a:endParaRPr sz="2700">
+              <a:solidFill>
+                <a:srgbClr val="202124"/>
+              </a:solidFill>
+              <a:highlight>
+                <a:srgbClr val="F8F9FA"/>
+              </a:highlight>
+              <a:latin typeface="Arial"/>
+              <a:ea typeface="Arial"/>
+              <a:cs typeface="Arial"/>
+              <a:sym typeface="Arial"/>
+            </a:endParaRPr>
+          </a:p>
+          <a:p>
+            <a:pPr marL="0" lvl="0" indent="0" algn="l" rtl="0">
+              <a:spcBef>
+                <a:spcPts val="1000"/>
+              </a:spcBef>
+              <a:spcAft>
+                <a:spcPts val="0"/>
+              </a:spcAft>
+              <a:buNone/>
+            </a:pPr>
+            <a:endParaRPr/>
+          </a:p>
+        </p:txBody>
+      </p:sp>
+      <p:pic>
+        <p:nvPicPr>
+          <p:cNvPr id="192" name="Google Shape;192;g1b75b12e4ab_0_117"/>
+          <p:cNvPicPr preferRelativeResize="0"/>
+          <p:nvPr/>
+        </p:nvPicPr>
+        <p:blipFill>
+          <a:blip r:embed="rId3">
+            <a:alphaModFix/>
+          </a:blip>
+          <a:stretch>
+            <a:fillRect/>
+          </a:stretch>
+        </p:blipFill>
+        <p:spPr>
+          <a:xfrm>
+            <a:off x="0" y="2301784"/>
+            <a:ext cx="12192002" cy="4759983"/>
+          </a:xfrm>
+          <a:prstGeom prst="rect">
+            <a:avLst/>
+          </a:prstGeom>
+          <a:noFill/>
+          <a:ln>
+            <a:noFill/>
+          </a:ln>
+        </p:spPr>
+      </p:pic>
+    </p:spTree>
+  </p:cSld>
+  <p:clrMapOvr>
+    <a:masterClrMapping/>
+  </p:clrMapOvr>
+</p:sld>
+</file>
+
+<file path=ppt/slides/slide42.xml><?xml version="1.0" encoding="utf-8"?>
+<p:sld xmlns:a="http://schemas.openxmlformats.org/drawingml/2006/main" xmlns:r="http://schemas.openxmlformats.org/officeDocument/2006/relationships" xmlns:p="http://schemas.openxmlformats.org/presentationml/2006/main">
+  <p:cSld>
+    <p:spTree>
+      <p:nvGrpSpPr>
+        <p:cNvPr id="1" name="Shape 196"/>
+        <p:cNvGrpSpPr/>
+        <p:nvPr/>
+      </p:nvGrpSpPr>
+      <p:grpSpPr>
+        <a:xfrm>
+          <a:off x="0" y="0"/>
+          <a:ext cx="0" cy="0"/>
+          <a:chOff x="0" y="0"/>
+          <a:chExt cx="0" cy="0"/>
+        </a:xfrm>
+      </p:grpSpPr>
+      <p:sp>
+        <p:nvSpPr>
+          <p:cNvPr id="197" name="Google Shape;197;g1b75b12e4ab_0_124"/>
+          <p:cNvSpPr txBox="1">
+            <a:spLocks noGrp="1"/>
+          </p:cNvSpPr>
+          <p:nvPr>
+            <p:ph type="ctrTitle"/>
+          </p:nvPr>
+        </p:nvSpPr>
+        <p:spPr>
+          <a:xfrm>
+            <a:off x="1330036" y="1041300"/>
+            <a:ext cx="9531927" cy="2387700"/>
+          </a:xfrm>
+          <a:prstGeom prst="rect">
+            <a:avLst/>
+          </a:prstGeom>
+        </p:spPr>
+        <p:txBody>
+          <a:bodyPr spcFirstLastPara="1" wrap="square" lIns="91425" tIns="45700" rIns="91425" bIns="45700" anchor="b" anchorCtr="0">
+            <a:normAutofit/>
+          </a:bodyPr>
+          <a:lstStyle/>
+          <a:p>
+            <a:pPr marL="0" lvl="0" indent="0" algn="ctr" rtl="0">
+              <a:spcBef>
+                <a:spcPts val="0"/>
+              </a:spcBef>
+              <a:spcAft>
+                <a:spcPts val="0"/>
+              </a:spcAft>
+              <a:buNone/>
+            </a:pPr>
+            <a:r>
+              <a:rPr lang="hu-HU" dirty="0"/>
+              <a:t>Thank</a:t>
+            </a:r>
+            <a:r>
+              <a:rPr lang="en-GB" dirty="0"/>
+              <a:t> you for your attention!</a:t>
+            </a:r>
+            <a:endParaRPr dirty="0"/>
           </a:p>
         </p:txBody>
       </p:sp>

--- a/Prezentációk/Projekt_English.pptx
+++ b/Prezentációk/Projekt_English.pptx
@@ -17494,11 +17494,7 @@
             </a:pPr>
             <a:r>
               <a:rPr lang="hu-HU"/>
-              <a:t>Topol</a:t>
-            </a:r>
-            <a:r>
-              <a:rPr lang="hu-HU"/>
-              <a:t>ógia</a:t>
+              <a:t>Topology</a:t>
             </a:r>
             <a:endParaRPr/>
           </a:p>
@@ -18431,7 +18427,7 @@
           </a:bodyPr>
           <a:lstStyle/>
           <a:p>
-            <a:pPr indent="-342900" lvl="0" marL="457200" rtl="0" algn="l">
+            <a:pPr indent="-361950" lvl="0" marL="457200" rtl="0" algn="l">
               <a:lnSpc>
                 <a:spcPct val="90000"/>
               </a:lnSpc>
@@ -18441,24 +18437,62 @@
               <a:spcAft>
                 <a:spcPts val="0"/>
               </a:spcAft>
-              <a:buClr>
-                <a:schemeClr val="dk1"/>
-              </a:buClr>
-              <a:buSzPts val="1800"/>
+              <a:buSzPts val="2100"/>
               <a:buChar char="•"/>
             </a:pPr>
             <a:r>
-              <a:rPr lang="hu-HU"/>
-              <a:t>Az eszközök ip címét kinézni az ipcim.xlsx-ből</a:t>
+              <a:rPr lang="hu-HU" sz="2400">
+                <a:highlight>
+                  <a:schemeClr val="lt1"/>
+                </a:highlight>
+                <a:latin typeface="Arial"/>
+                <a:ea typeface="Arial"/>
+                <a:cs typeface="Arial"/>
+                <a:sym typeface="Arial"/>
+              </a:rPr>
+              <a:t>To look up the ip address of the devices from ipcim.xlsx</a:t>
             </a:r>
-            <a:br>
-              <a:rPr lang="hu-HU"/>
-            </a:br>
+            <a:endParaRPr sz="2400">
+              <a:highlight>
+                <a:schemeClr val="lt1"/>
+              </a:highlight>
+              <a:latin typeface="Arial"/>
+              <a:ea typeface="Arial"/>
+              <a:cs typeface="Arial"/>
+              <a:sym typeface="Arial"/>
+            </a:endParaRPr>
+          </a:p>
+          <a:p>
+            <a:pPr indent="-361950" lvl="0" marL="457200" marR="38100" rtl="0" algn="l">
+              <a:lnSpc>
+                <a:spcPct val="128571"/>
+              </a:lnSpc>
+              <a:spcBef>
+                <a:spcPts val="0"/>
+              </a:spcBef>
+              <a:spcAft>
+                <a:spcPts val="0"/>
+              </a:spcAft>
+              <a:buSzPts val="2100"/>
+              <a:buChar char="•"/>
+            </a:pPr>
             <a:r>
-              <a:rPr lang="hu-HU"/>
-              <a:t>és beállítani az adott eszközön</a:t>
+              <a:rPr lang="hu-HU" sz="2400">
+                <a:highlight>
+                  <a:schemeClr val="lt1"/>
+                </a:highlight>
+                <a:latin typeface="Arial"/>
+                <a:ea typeface="Arial"/>
+                <a:cs typeface="Arial"/>
+                <a:sym typeface="Arial"/>
+              </a:rPr>
+              <a:t>and set on the given device</a:t>
             </a:r>
-            <a:endParaRPr/>
+            <a:endParaRPr sz="3100">
+              <a:highlight>
+                <a:schemeClr val="lt1"/>
+              </a:highlight>
+            </a:endParaRPr>
           </a:p>
         </p:txBody>
       </p:sp>
